--- a/pandas/Pandas.pptx
+++ b/pandas/Pandas.pptx
@@ -298,7 +298,7 @@
       </p15:sldGuideLst>
     </p:ext>
     <p:ext uri="http://customooxmlschemas.google.com/">
-      <go:slidesCustomData xmlns:go="http://customooxmlschemas.google.com/" r:id="rId37" roundtripDataSignature="AMtx7mgaZbmWa3364P35OpzzVk41Qw1UxA=="/>
+      <go:slidesCustomData xmlns:go="http://customooxmlschemas.google.com/" r:id="rId37" roundtripDataSignature="AMtx7mhq9yVhbLutLD57qUaERniCpCPNsA=="/>
     </p:ext>
   </p:extLst>
 </p:presentation>
@@ -10791,10 +10791,14 @@
               <a:buNone/>
             </a:pPr>
             <a:r>
-              <a:rPr b="1" lang="id" sz="3800">
+              <a:rPr b="1" i="0" lang="id" sz="3800" u="none" cap="none" strike="noStrike">
                 <a:solidFill>
                   <a:srgbClr val="DC2811"/>
                 </a:solidFill>
+                <a:latin typeface="Arial"/>
+                <a:ea typeface="Arial"/>
+                <a:cs typeface="Arial"/>
+                <a:sym typeface="Arial"/>
               </a:rPr>
               <a:t>Pandas</a:t>
             </a:r>
@@ -10901,7 +10905,7 @@
           <p:nvPr/>
         </p:nvPicPr>
         <p:blipFill rotWithShape="1">
-          <a:blip r:embed="rId3">
+          <a:blip r:embed="rId4">
             <a:alphaModFix/>
           </a:blip>
           <a:srcRect b="46760" l="0" r="0" t="0"/>
@@ -10928,7 +10932,7 @@
           <p:nvPr/>
         </p:nvPicPr>
         <p:blipFill rotWithShape="1">
-          <a:blip r:embed="rId4">
+          <a:blip r:embed="rId5">
             <a:alphaModFix/>
           </a:blip>
           <a:srcRect b="0" l="0" r="0" t="0"/>
@@ -10955,7 +10959,7 @@
           <p:nvPr/>
         </p:nvPicPr>
         <p:blipFill rotWithShape="1">
-          <a:blip r:embed="rId5">
+          <a:blip r:embed="rId6">
             <a:alphaModFix/>
           </a:blip>
           <a:srcRect b="0" l="0" r="0" t="0"/>
@@ -10982,7 +10986,7 @@
           <p:nvPr/>
         </p:nvPicPr>
         <p:blipFill rotWithShape="1">
-          <a:blip r:embed="rId6">
+          <a:blip r:embed="rId7">
             <a:alphaModFix/>
           </a:blip>
           <a:srcRect b="0" l="0" r="0" t="0"/>
@@ -11123,7 +11127,7 @@
           <a:effectLst>
             <a:outerShdw blurRad="57150" rotWithShape="0" algn="bl" dir="5400000" dist="19050">
               <a:srgbClr val="000000">
-                <a:alpha val="48240"/>
+                <a:alpha val="48235"/>
               </a:srgbClr>
             </a:outerShdw>
           </a:effectLst>
@@ -11161,15 +11165,7 @@
                 <a:cs typeface="Arial"/>
                 <a:sym typeface="Arial"/>
               </a:rPr>
-              <a:t>Page </a:t>
-            </a:r>
-            <a:r>
-              <a:rPr b="1" lang="id" sz="1200">
-                <a:solidFill>
-                  <a:schemeClr val="lt1"/>
-                </a:solidFill>
-              </a:rPr>
-              <a:t>09</a:t>
+              <a:t>Page 09</a:t>
             </a:r>
             <a:endParaRPr b="1" i="0" sz="1200" u="none" cap="none" strike="noStrike">
               <a:solidFill>
@@ -11242,13 +11238,12 @@
           <p:cNvPicPr preferRelativeResize="0"/>
           <p:nvPr/>
         </p:nvPicPr>
-        <p:blipFill>
+        <p:blipFill rotWithShape="1">
           <a:blip r:embed="rId4">
             <a:alphaModFix/>
           </a:blip>
-          <a:stretch>
-            <a:fillRect/>
-          </a:stretch>
+          <a:srcRect b="0" l="0" r="0" t="0"/>
+          <a:stretch/>
         </p:blipFill>
         <p:spPr>
           <a:xfrm>
@@ -11307,10 +11302,14 @@
               <a:buNone/>
             </a:pPr>
             <a:r>
-              <a:rPr b="1" lang="id" sz="2800">
+              <a:rPr b="1" i="0" lang="id" sz="2800" u="none" cap="none" strike="noStrike">
                 <a:solidFill>
                   <a:srgbClr val="DC2811"/>
                 </a:solidFill>
+                <a:latin typeface="Arial"/>
+                <a:ea typeface="Arial"/>
+                <a:cs typeface="Arial"/>
+                <a:sym typeface="Arial"/>
               </a:rPr>
               <a:t>Let’s get started!</a:t>
             </a:r>
@@ -11369,10 +11368,14 @@
               <a:buNone/>
             </a:pPr>
             <a:r>
-              <a:rPr b="1" lang="id" sz="2400">
+              <a:rPr b="1" i="0" lang="id" sz="2400" u="none" cap="none" strike="noStrike">
                 <a:solidFill>
                   <a:srgbClr val="00B4CE"/>
                 </a:solidFill>
+                <a:latin typeface="Arial"/>
+                <a:ea typeface="Arial"/>
+                <a:cs typeface="Arial"/>
+                <a:sym typeface="Arial"/>
               </a:rPr>
               <a:t>DataFrame - Basic Functionality</a:t>
             </a:r>
@@ -11509,7 +11512,7 @@
           <a:effectLst>
             <a:outerShdw blurRad="57150" rotWithShape="0" algn="bl" dir="5400000" dist="19050">
               <a:srgbClr val="000000">
-                <a:alpha val="48240"/>
+                <a:alpha val="48235"/>
               </a:srgbClr>
             </a:outerShdw>
           </a:effectLst>
@@ -11547,15 +11550,7 @@
                 <a:cs typeface="Arial"/>
                 <a:sym typeface="Arial"/>
               </a:rPr>
-              <a:t>Page </a:t>
-            </a:r>
-            <a:r>
-              <a:rPr b="1" lang="id" sz="1200">
-                <a:solidFill>
-                  <a:schemeClr val="lt1"/>
-                </a:solidFill>
-              </a:rPr>
-              <a:t>10</a:t>
+              <a:t>Page 10</a:t>
             </a:r>
             <a:endParaRPr b="1" i="0" sz="1200" u="none" cap="none" strike="noStrike">
               <a:solidFill>
@@ -11647,7 +11642,7 @@
           </a:bodyPr>
           <a:lstStyle/>
           <a:p>
-            <a:pPr indent="0" lvl="0" marL="0" rtl="0" algn="l">
+            <a:pPr indent="0" lvl="0" marL="0" marR="0" rtl="0" algn="l">
               <a:lnSpc>
                 <a:spcPct val="150000"/>
               </a:lnSpc>
@@ -11657,10 +11652,18 @@
               <a:spcAft>
                 <a:spcPts val="1600"/>
               </a:spcAft>
+              <a:buClr>
+                <a:srgbClr val="000000"/>
+              </a:buClr>
+              <a:buSzPts val="1400"/>
+              <a:buFont typeface="Arial"/>
               <a:buNone/>
             </a:pPr>
             <a:r>
-              <a:rPr lang="id">
+              <a:rPr b="0" i="0" lang="id" sz="1400" u="none" cap="none" strike="noStrike">
+                <a:solidFill>
+                  <a:srgbClr val="000000"/>
+                </a:solidFill>
                 <a:highlight>
                   <a:srgbClr val="FFFFFF"/>
                 </a:highlight>
@@ -11671,7 +11674,7 @@
               </a:rPr>
               <a:t>Returns the transpose of the DataFrame. The rows and columns will interchange.</a:t>
             </a:r>
-            <a:endParaRPr>
+            <a:endParaRPr b="0" i="0" sz="1400" u="none" cap="none" strike="noStrike">
               <a:solidFill>
                 <a:srgbClr val="233A44"/>
               </a:solidFill>
@@ -11689,13 +11692,12 @@
           <p:cNvPicPr preferRelativeResize="0"/>
           <p:nvPr/>
         </p:nvPicPr>
-        <p:blipFill>
+        <p:blipFill rotWithShape="1">
           <a:blip r:embed="rId4">
             <a:alphaModFix/>
           </a:blip>
-          <a:stretch>
-            <a:fillRect/>
-          </a:stretch>
+          <a:srcRect b="0" l="0" r="0" t="0"/>
+          <a:stretch/>
         </p:blipFill>
         <p:spPr>
           <a:xfrm>
@@ -11754,10 +11756,14 @@
               <a:buNone/>
             </a:pPr>
             <a:r>
-              <a:rPr b="1" lang="id" sz="2400">
+              <a:rPr b="1" i="0" lang="id" sz="2400" u="none" cap="none" strike="noStrike">
                 <a:solidFill>
                   <a:srgbClr val="00B4CE"/>
                 </a:solidFill>
+                <a:latin typeface="Arial"/>
+                <a:ea typeface="Arial"/>
+                <a:cs typeface="Arial"/>
+                <a:sym typeface="Arial"/>
               </a:rPr>
               <a:t>DataFrame - T (Transpose)</a:t>
             </a:r>
@@ -11894,7 +11900,7 @@
           <a:effectLst>
             <a:outerShdw blurRad="57150" rotWithShape="0" algn="bl" dir="5400000" dist="19050">
               <a:srgbClr val="000000">
-                <a:alpha val="48240"/>
+                <a:alpha val="48235"/>
               </a:srgbClr>
             </a:outerShdw>
           </a:effectLst>
@@ -11932,15 +11938,7 @@
                 <a:cs typeface="Arial"/>
                 <a:sym typeface="Arial"/>
               </a:rPr>
-              <a:t>Page </a:t>
-            </a:r>
-            <a:r>
-              <a:rPr b="1" lang="id" sz="1200">
-                <a:solidFill>
-                  <a:schemeClr val="lt1"/>
-                </a:solidFill>
-              </a:rPr>
-              <a:t>11</a:t>
+              <a:t>Page 11</a:t>
             </a:r>
             <a:endParaRPr b="1" i="0" sz="1200" u="none" cap="none" strike="noStrike">
               <a:solidFill>
@@ -12032,7 +12030,7 @@
           </a:bodyPr>
           <a:lstStyle/>
           <a:p>
-            <a:pPr indent="0" lvl="0" marL="0" rtl="0" algn="l">
+            <a:pPr indent="0" lvl="0" marL="0" marR="0" rtl="0" algn="l">
               <a:lnSpc>
                 <a:spcPct val="115000"/>
               </a:lnSpc>
@@ -12042,10 +12040,18 @@
               <a:spcAft>
                 <a:spcPts val="1600"/>
               </a:spcAft>
+              <a:buClr>
+                <a:srgbClr val="000000"/>
+              </a:buClr>
+              <a:buSzPts val="1400"/>
+              <a:buFont typeface="Arial"/>
               <a:buNone/>
             </a:pPr>
             <a:r>
-              <a:rPr lang="id">
+              <a:rPr b="0" i="0" lang="id" sz="1400" u="none" cap="none" strike="noStrike">
+                <a:solidFill>
+                  <a:srgbClr val="000000"/>
+                </a:solidFill>
                 <a:highlight>
                   <a:srgbClr val="FFFFFF"/>
                 </a:highlight>
@@ -12056,7 +12062,7 @@
               </a:rPr>
               <a:t>Returns the data type of each column.</a:t>
             </a:r>
-            <a:endParaRPr>
+            <a:endParaRPr b="0" i="0" sz="1400" u="none" cap="none" strike="noStrike">
               <a:solidFill>
                 <a:srgbClr val="233A44"/>
               </a:solidFill>
@@ -12074,13 +12080,12 @@
           <p:cNvPicPr preferRelativeResize="0"/>
           <p:nvPr/>
         </p:nvPicPr>
-        <p:blipFill>
+        <p:blipFill rotWithShape="1">
           <a:blip r:embed="rId4">
             <a:alphaModFix/>
           </a:blip>
-          <a:stretch>
-            <a:fillRect/>
-          </a:stretch>
+          <a:srcRect b="0" l="0" r="0" t="0"/>
+          <a:stretch/>
         </p:blipFill>
         <p:spPr>
           <a:xfrm>
@@ -12139,10 +12144,14 @@
               <a:buNone/>
             </a:pPr>
             <a:r>
-              <a:rPr b="1" lang="id" sz="2400">
+              <a:rPr b="1" i="0" lang="id" sz="2400" u="none" cap="none" strike="noStrike">
                 <a:solidFill>
                   <a:srgbClr val="00B4CE"/>
                 </a:solidFill>
+                <a:latin typeface="Arial"/>
+                <a:ea typeface="Arial"/>
+                <a:cs typeface="Arial"/>
+                <a:sym typeface="Arial"/>
               </a:rPr>
               <a:t>DataFrame - dtypes</a:t>
             </a:r>
@@ -12279,7 +12288,7 @@
           <a:effectLst>
             <a:outerShdw blurRad="57150" rotWithShape="0" algn="bl" dir="5400000" dist="19050">
               <a:srgbClr val="000000">
-                <a:alpha val="48240"/>
+                <a:alpha val="48235"/>
               </a:srgbClr>
             </a:outerShdw>
           </a:effectLst>
@@ -12317,15 +12326,7 @@
                 <a:cs typeface="Arial"/>
                 <a:sym typeface="Arial"/>
               </a:rPr>
-              <a:t>Page </a:t>
-            </a:r>
-            <a:r>
-              <a:rPr b="1" lang="id" sz="1200">
-                <a:solidFill>
-                  <a:schemeClr val="lt1"/>
-                </a:solidFill>
-              </a:rPr>
-              <a:t>12</a:t>
+              <a:t>Page 12</a:t>
             </a:r>
             <a:endParaRPr b="1" i="0" sz="1200" u="none" cap="none" strike="noStrike">
               <a:solidFill>
@@ -12417,7 +12418,7 @@
           </a:bodyPr>
           <a:lstStyle/>
           <a:p>
-            <a:pPr indent="0" lvl="0" marL="0" rtl="0" algn="l">
+            <a:pPr indent="0" lvl="0" marL="0" marR="0" rtl="0" algn="l">
               <a:lnSpc>
                 <a:spcPct val="150000"/>
               </a:lnSpc>
@@ -12427,10 +12428,18 @@
               <a:spcAft>
                 <a:spcPts val="1600"/>
               </a:spcAft>
+              <a:buClr>
+                <a:srgbClr val="000000"/>
+              </a:buClr>
+              <a:buSzPts val="1400"/>
+              <a:buFont typeface="Arial"/>
               <a:buNone/>
             </a:pPr>
             <a:r>
-              <a:rPr lang="id">
+              <a:rPr b="0" i="0" lang="id" sz="1400" u="none" cap="none" strike="noStrike">
+                <a:solidFill>
+                  <a:srgbClr val="000000"/>
+                </a:solidFill>
                 <a:highlight>
                   <a:srgbClr val="FFFFFF"/>
                 </a:highlight>
@@ -12441,7 +12450,7 @@
               </a:rPr>
               <a:t>Returns a tuple representing the dimensionality of the DataFrame. Tuple (a,b), where a represents the number of rows and b represents the number of columns.</a:t>
             </a:r>
-            <a:endParaRPr>
+            <a:endParaRPr b="0" i="0" sz="1400" u="none" cap="none" strike="noStrike">
               <a:solidFill>
                 <a:srgbClr val="233A44"/>
               </a:solidFill>
@@ -12459,13 +12468,12 @@
           <p:cNvPicPr preferRelativeResize="0"/>
           <p:nvPr/>
         </p:nvPicPr>
-        <p:blipFill>
+        <p:blipFill rotWithShape="1">
           <a:blip r:embed="rId4">
             <a:alphaModFix/>
           </a:blip>
-          <a:stretch>
-            <a:fillRect/>
-          </a:stretch>
+          <a:srcRect b="0" l="0" r="0" t="0"/>
+          <a:stretch/>
         </p:blipFill>
         <p:spPr>
           <a:xfrm>
@@ -12524,10 +12532,14 @@
               <a:buNone/>
             </a:pPr>
             <a:r>
-              <a:rPr b="1" lang="id" sz="2400">
+              <a:rPr b="1" i="0" lang="id" sz="2400" u="none" cap="none" strike="noStrike">
                 <a:solidFill>
                   <a:srgbClr val="00B4CE"/>
                 </a:solidFill>
+                <a:latin typeface="Arial"/>
+                <a:ea typeface="Arial"/>
+                <a:cs typeface="Arial"/>
+                <a:sym typeface="Arial"/>
               </a:rPr>
               <a:t>DataFrame - shape</a:t>
             </a:r>
@@ -12664,7 +12676,7 @@
           <a:effectLst>
             <a:outerShdw blurRad="57150" rotWithShape="0" algn="bl" dir="5400000" dist="19050">
               <a:srgbClr val="000000">
-                <a:alpha val="48240"/>
+                <a:alpha val="48235"/>
               </a:srgbClr>
             </a:outerShdw>
           </a:effectLst>
@@ -12702,15 +12714,7 @@
                 <a:cs typeface="Arial"/>
                 <a:sym typeface="Arial"/>
               </a:rPr>
-              <a:t>Page </a:t>
-            </a:r>
-            <a:r>
-              <a:rPr b="1" lang="id" sz="1200">
-                <a:solidFill>
-                  <a:schemeClr val="lt1"/>
-                </a:solidFill>
-              </a:rPr>
-              <a:t>13</a:t>
+              <a:t>Page 13</a:t>
             </a:r>
             <a:endParaRPr b="1" i="0" sz="1200" u="none" cap="none" strike="noStrike">
               <a:solidFill>
@@ -12802,7 +12806,7 @@
           </a:bodyPr>
           <a:lstStyle/>
           <a:p>
-            <a:pPr indent="0" lvl="0" marL="0" rtl="0" algn="l">
+            <a:pPr indent="0" lvl="0" marL="0" marR="0" rtl="0" algn="l">
               <a:lnSpc>
                 <a:spcPct val="150000"/>
               </a:lnSpc>
@@ -12812,10 +12816,18 @@
               <a:spcAft>
                 <a:spcPts val="1600"/>
               </a:spcAft>
+              <a:buClr>
+                <a:srgbClr val="000000"/>
+              </a:buClr>
+              <a:buSzPts val="1400"/>
+              <a:buFont typeface="Arial"/>
               <a:buNone/>
             </a:pPr>
             <a:r>
-              <a:rPr lang="id">
+              <a:rPr b="0" i="0" lang="id" sz="1400" u="none" cap="none" strike="noStrike">
+                <a:solidFill>
+                  <a:srgbClr val="000000"/>
+                </a:solidFill>
                 <a:highlight>
                   <a:srgbClr val="FFFFFF"/>
                 </a:highlight>
@@ -12826,7 +12838,7 @@
               </a:rPr>
               <a:t>Returns the actual data in the DataFrame as an NDarray.</a:t>
             </a:r>
-            <a:endParaRPr>
+            <a:endParaRPr b="0" i="0" sz="1400" u="none" cap="none" strike="noStrike">
               <a:solidFill>
                 <a:srgbClr val="233A44"/>
               </a:solidFill>
@@ -12844,13 +12856,12 @@
           <p:cNvPicPr preferRelativeResize="0"/>
           <p:nvPr/>
         </p:nvPicPr>
-        <p:blipFill>
+        <p:blipFill rotWithShape="1">
           <a:blip r:embed="rId4">
             <a:alphaModFix/>
           </a:blip>
-          <a:stretch>
-            <a:fillRect/>
-          </a:stretch>
+          <a:srcRect b="0" l="0" r="0" t="0"/>
+          <a:stretch/>
         </p:blipFill>
         <p:spPr>
           <a:xfrm>
@@ -12909,10 +12920,14 @@
               <a:buNone/>
             </a:pPr>
             <a:r>
-              <a:rPr b="1" lang="id" sz="2400">
+              <a:rPr b="1" i="0" lang="id" sz="2400" u="none" cap="none" strike="noStrike">
                 <a:solidFill>
                   <a:srgbClr val="00B4CE"/>
                 </a:solidFill>
+                <a:latin typeface="Arial"/>
+                <a:ea typeface="Arial"/>
+                <a:cs typeface="Arial"/>
+                <a:sym typeface="Arial"/>
               </a:rPr>
               <a:t>DataFrame - values</a:t>
             </a:r>
@@ -13049,7 +13064,7 @@
           <a:effectLst>
             <a:outerShdw blurRad="57150" rotWithShape="0" algn="bl" dir="5400000" dist="19050">
               <a:srgbClr val="000000">
-                <a:alpha val="48240"/>
+                <a:alpha val="48235"/>
               </a:srgbClr>
             </a:outerShdw>
           </a:effectLst>
@@ -13087,15 +13102,7 @@
                 <a:cs typeface="Arial"/>
                 <a:sym typeface="Arial"/>
               </a:rPr>
-              <a:t>Page </a:t>
-            </a:r>
-            <a:r>
-              <a:rPr b="1" lang="id" sz="1200">
-                <a:solidFill>
-                  <a:schemeClr val="lt1"/>
-                </a:solidFill>
-              </a:rPr>
-              <a:t>14</a:t>
+              <a:t>Page 14</a:t>
             </a:r>
             <a:endParaRPr b="1" i="0" sz="1200" u="none" cap="none" strike="noStrike">
               <a:solidFill>
@@ -13187,7 +13194,7 @@
           </a:bodyPr>
           <a:lstStyle/>
           <a:p>
-            <a:pPr indent="0" lvl="0" marL="0" rtl="0" algn="l">
+            <a:pPr indent="0" lvl="0" marL="0" marR="0" rtl="0" algn="l">
               <a:lnSpc>
                 <a:spcPct val="150000"/>
               </a:lnSpc>
@@ -13197,10 +13204,18 @@
               <a:spcAft>
                 <a:spcPts val="1600"/>
               </a:spcAft>
+              <a:buClr>
+                <a:srgbClr val="000000"/>
+              </a:buClr>
+              <a:buSzPts val="1400"/>
+              <a:buFont typeface="Arial"/>
               <a:buNone/>
             </a:pPr>
             <a:r>
-              <a:rPr lang="id">
+              <a:rPr b="0" i="0" lang="id" sz="1400" u="none" cap="none" strike="noStrike">
+                <a:solidFill>
+                  <a:srgbClr val="000000"/>
+                </a:solidFill>
                 <a:highlight>
                   <a:srgbClr val="FFFFFF"/>
                 </a:highlight>
@@ -13211,7 +13226,7 @@
               </a:rPr>
               <a:t>To view a small sample of a DataFrame object, use the head() and tail() methods. head() returns the first n rows (observe the index values). The default number of elements to display is five, but you may pass a custom number.</a:t>
             </a:r>
-            <a:endParaRPr>
+            <a:endParaRPr b="0" i="0" sz="1400" u="none" cap="none" strike="noStrike">
               <a:solidFill>
                 <a:srgbClr val="233A44"/>
               </a:solidFill>
@@ -13229,13 +13244,12 @@
           <p:cNvPicPr preferRelativeResize="0"/>
           <p:nvPr/>
         </p:nvPicPr>
-        <p:blipFill>
+        <p:blipFill rotWithShape="1">
           <a:blip r:embed="rId4">
             <a:alphaModFix/>
           </a:blip>
-          <a:stretch>
-            <a:fillRect/>
-          </a:stretch>
+          <a:srcRect b="0" l="0" r="0" t="0"/>
+          <a:stretch/>
         </p:blipFill>
         <p:spPr>
           <a:xfrm>
@@ -13294,10 +13308,14 @@
               <a:buNone/>
             </a:pPr>
             <a:r>
-              <a:rPr b="1" lang="id" sz="2400">
+              <a:rPr b="1" i="0" lang="id" sz="2400" u="none" cap="none" strike="noStrike">
                 <a:solidFill>
                   <a:srgbClr val="00B4CE"/>
                 </a:solidFill>
+                <a:latin typeface="Arial"/>
+                <a:ea typeface="Arial"/>
+                <a:cs typeface="Arial"/>
+                <a:sym typeface="Arial"/>
               </a:rPr>
               <a:t>DataFrame - Head &amp; Tail</a:t>
             </a:r>
@@ -13434,7 +13452,7 @@
           <a:effectLst>
             <a:outerShdw blurRad="57150" rotWithShape="0" algn="bl" dir="5400000" dist="19050">
               <a:srgbClr val="000000">
-                <a:alpha val="48240"/>
+                <a:alpha val="48235"/>
               </a:srgbClr>
             </a:outerShdw>
           </a:effectLst>
@@ -13472,15 +13490,7 @@
                 <a:cs typeface="Arial"/>
                 <a:sym typeface="Arial"/>
               </a:rPr>
-              <a:t>Page </a:t>
-            </a:r>
-            <a:r>
-              <a:rPr b="1" lang="id" sz="1200">
-                <a:solidFill>
-                  <a:schemeClr val="lt1"/>
-                </a:solidFill>
-              </a:rPr>
-              <a:t>15</a:t>
+              <a:t>Page 15</a:t>
             </a:r>
             <a:endParaRPr b="1" i="0" sz="1200" u="none" cap="none" strike="noStrike">
               <a:solidFill>
@@ -13617,10 +13627,14 @@
               <a:buNone/>
             </a:pPr>
             <a:r>
-              <a:rPr b="1" lang="id" sz="2400">
+              <a:rPr b="1" i="0" lang="id" sz="2400" u="none" cap="none" strike="noStrike">
                 <a:solidFill>
                   <a:srgbClr val="00B4CE"/>
                 </a:solidFill>
+                <a:latin typeface="Arial"/>
+                <a:ea typeface="Arial"/>
+                <a:cs typeface="Arial"/>
+                <a:sym typeface="Arial"/>
               </a:rPr>
               <a:t>DataFrame - Functions</a:t>
             </a:r>
@@ -13881,15 +13895,7 @@
                 <a:cs typeface="Arial"/>
                 <a:sym typeface="Arial"/>
               </a:rPr>
-              <a:t>Page</a:t>
-            </a:r>
-            <a:r>
-              <a:rPr lang="id" sz="1200">
-                <a:solidFill>
-                  <a:srgbClr val="00B4CE"/>
-                </a:solidFill>
-              </a:rPr>
-              <a:t> 16</a:t>
+              <a:t>Page 16</a:t>
             </a:r>
             <a:endParaRPr b="0" i="0" sz="1200" u="none" cap="none" strike="noStrike">
               <a:solidFill>
@@ -14024,7 +14030,7 @@
           <a:effectLst>
             <a:outerShdw blurRad="57150" rotWithShape="0" algn="bl" dir="5400000" dist="19050">
               <a:srgbClr val="000000">
-                <a:alpha val="48240"/>
+                <a:alpha val="48235"/>
               </a:srgbClr>
             </a:outerShdw>
           </a:effectLst>
@@ -14062,15 +14068,7 @@
                 <a:cs typeface="Arial"/>
                 <a:sym typeface="Arial"/>
               </a:rPr>
-              <a:t>Page </a:t>
-            </a:r>
-            <a:r>
-              <a:rPr b="1" lang="id" sz="1200">
-                <a:solidFill>
-                  <a:schemeClr val="lt1"/>
-                </a:solidFill>
-              </a:rPr>
-              <a:t>17</a:t>
+              <a:t>Page 17</a:t>
             </a:r>
             <a:endParaRPr b="1" i="0" sz="1200" u="none" cap="none" strike="noStrike">
               <a:solidFill>
@@ -14162,7 +14160,7 @@
           </a:bodyPr>
           <a:lstStyle/>
           <a:p>
-            <a:pPr indent="0" lvl="0" marL="0" rtl="0" algn="l">
+            <a:pPr indent="0" lvl="0" marL="0" marR="0" rtl="0" algn="l">
               <a:lnSpc>
                 <a:spcPct val="150000"/>
               </a:lnSpc>
@@ -14172,10 +14170,15 @@
               <a:spcAft>
                 <a:spcPts val="0"/>
               </a:spcAft>
+              <a:buClr>
+                <a:srgbClr val="000000"/>
+              </a:buClr>
+              <a:buSzPts val="1400"/>
+              <a:buFont typeface="Arial"/>
               <a:buNone/>
             </a:pPr>
             <a:r>
-              <a:rPr lang="id">
+              <a:rPr b="0" i="0" lang="id" sz="1400" u="none" cap="none" strike="noStrike">
                 <a:solidFill>
                   <a:schemeClr val="dk1"/>
                 </a:solidFill>
@@ -14189,7 +14192,7 @@
               </a:rPr>
               <a:t>What is the output from this code ?</a:t>
             </a:r>
-            <a:endParaRPr>
+            <a:endParaRPr b="0" i="0" sz="1400" u="none" cap="none" strike="noStrike">
               <a:solidFill>
                 <a:schemeClr val="dk1"/>
               </a:solidFill>
@@ -14203,7 +14206,7 @@
             </a:endParaRPr>
           </a:p>
           <a:p>
-            <a:pPr indent="0" lvl="0" marL="0" rtl="0" algn="l">
+            <a:pPr indent="0" lvl="0" marL="0" marR="0" rtl="0" algn="l">
               <a:lnSpc>
                 <a:spcPct val="150000"/>
               </a:lnSpc>
@@ -14213,12 +14216,17 @@
               <a:spcAft>
                 <a:spcPts val="0"/>
               </a:spcAft>
+              <a:buClr>
+                <a:srgbClr val="000000"/>
+              </a:buClr>
+              <a:buSzPts val="1400"/>
+              <a:buFont typeface="Arial"/>
               <a:buNone/>
             </a:pPr>
             <a:r>
               <a:t/>
             </a:r>
-            <a:endParaRPr>
+            <a:endParaRPr b="0" i="0" sz="1400" u="none" cap="none" strike="noStrike">
               <a:solidFill>
                 <a:schemeClr val="dk1"/>
               </a:solidFill>
@@ -14250,7 +14258,7 @@
               <a:buNone/>
             </a:pPr>
             <a:r>
-              <a:rPr lang="id" sz="1200">
+              <a:rPr b="0" i="0" lang="id" sz="1200" u="none" cap="none" strike="noStrike">
                 <a:solidFill>
                   <a:schemeClr val="dk1"/>
                 </a:solidFill>
@@ -14262,7 +14270,7 @@
               <a:t>df </a:t>
             </a:r>
             <a:r>
-              <a:rPr lang="id" sz="1200">
+              <a:rPr b="0" i="0" lang="id" sz="1200" u="none" cap="none" strike="noStrike">
                 <a:solidFill>
                   <a:srgbClr val="666666"/>
                 </a:solidFill>
@@ -14274,7 +14282,7 @@
               <a:t>=</a:t>
             </a:r>
             <a:r>
-              <a:rPr lang="id" sz="1200">
+              <a:rPr b="0" i="0" lang="id" sz="1200" u="none" cap="none" strike="noStrike">
                 <a:solidFill>
                   <a:schemeClr val="dk1"/>
                 </a:solidFill>
@@ -14286,7 +14294,7 @@
               <a:t> pd</a:t>
             </a:r>
             <a:r>
-              <a:rPr lang="id" sz="1200">
+              <a:rPr b="0" i="0" lang="id" sz="1200" u="none" cap="none" strike="noStrike">
                 <a:solidFill>
                   <a:srgbClr val="666666"/>
                 </a:solidFill>
@@ -14298,7 +14306,7 @@
               <a:t>.</a:t>
             </a:r>
             <a:r>
-              <a:rPr lang="id" sz="1200">
+              <a:rPr b="0" i="0" lang="id" sz="1200" u="none" cap="none" strike="noStrike">
                 <a:solidFill>
                   <a:schemeClr val="dk1"/>
                 </a:solidFill>
@@ -14310,7 +14318,7 @@
               <a:t>DataFrame([[</a:t>
             </a:r>
             <a:r>
-              <a:rPr lang="id" sz="1200">
+              <a:rPr b="0" i="0" lang="id" sz="1200" u="none" cap="none" strike="noStrike">
                 <a:solidFill>
                   <a:srgbClr val="208050"/>
                 </a:solidFill>
@@ -14322,7 +14330,7 @@
               <a:t>1</a:t>
             </a:r>
             <a:r>
-              <a:rPr lang="id" sz="1200">
+              <a:rPr b="0" i="0" lang="id" sz="1200" u="none" cap="none" strike="noStrike">
                 <a:solidFill>
                   <a:schemeClr val="dk1"/>
                 </a:solidFill>
@@ -14334,7 +14342,7 @@
               <a:t>, </a:t>
             </a:r>
             <a:r>
-              <a:rPr lang="id" sz="1200">
+              <a:rPr b="0" i="0" lang="id" sz="1200" u="none" cap="none" strike="noStrike">
                 <a:solidFill>
                   <a:srgbClr val="208050"/>
                 </a:solidFill>
@@ -14346,7 +14354,7 @@
               <a:t>2</a:t>
             </a:r>
             <a:r>
-              <a:rPr lang="id" sz="1200">
+              <a:rPr b="0" i="0" lang="id" sz="1200" u="none" cap="none" strike="noStrike">
                 <a:solidFill>
                   <a:schemeClr val="dk1"/>
                 </a:solidFill>
@@ -14358,7 +14366,7 @@
               <a:t>], [</a:t>
             </a:r>
             <a:r>
-              <a:rPr lang="id" sz="1200">
+              <a:rPr b="0" i="0" lang="id" sz="1200" u="none" cap="none" strike="noStrike">
                 <a:solidFill>
                   <a:srgbClr val="208050"/>
                 </a:solidFill>
@@ -14370,7 +14378,7 @@
               <a:t>3</a:t>
             </a:r>
             <a:r>
-              <a:rPr lang="id" sz="1200">
+              <a:rPr b="0" i="0" lang="id" sz="1200" u="none" cap="none" strike="noStrike">
                 <a:solidFill>
                   <a:schemeClr val="dk1"/>
                 </a:solidFill>
@@ -14382,7 +14390,7 @@
               <a:t>, </a:t>
             </a:r>
             <a:r>
-              <a:rPr lang="id" sz="1200">
+              <a:rPr b="0" i="0" lang="id" sz="1200" u="none" cap="none" strike="noStrike">
                 <a:solidFill>
                   <a:srgbClr val="208050"/>
                 </a:solidFill>
@@ -14394,7 +14402,7 @@
               <a:t>4</a:t>
             </a:r>
             <a:r>
-              <a:rPr lang="id" sz="1200">
+              <a:rPr b="0" i="0" lang="id" sz="1200" u="none" cap="none" strike="noStrike">
                 <a:solidFill>
                   <a:schemeClr val="dk1"/>
                 </a:solidFill>
@@ -14406,7 +14414,7 @@
               <a:t>]], columns</a:t>
             </a:r>
             <a:r>
-              <a:rPr lang="id" sz="1200">
+              <a:rPr b="0" i="0" lang="id" sz="1200" u="none" cap="none" strike="noStrike">
                 <a:solidFill>
                   <a:srgbClr val="666666"/>
                 </a:solidFill>
@@ -14418,7 +14426,7 @@
               <a:t>=</a:t>
             </a:r>
             <a:r>
-              <a:rPr lang="id" sz="1200">
+              <a:rPr b="0" i="0" lang="id" sz="1200" u="none" cap="none" strike="noStrike">
                 <a:solidFill>
                   <a:srgbClr val="007020"/>
                 </a:solidFill>
@@ -14430,7 +14438,7 @@
               <a:t>list</a:t>
             </a:r>
             <a:r>
-              <a:rPr lang="id" sz="1200">
+              <a:rPr b="0" i="0" lang="id" sz="1200" u="none" cap="none" strike="noStrike">
                 <a:solidFill>
                   <a:schemeClr val="dk1"/>
                 </a:solidFill>
@@ -14442,7 +14450,7 @@
               <a:t>(</a:t>
             </a:r>
             <a:r>
-              <a:rPr lang="id" sz="1200">
+              <a:rPr b="0" i="0" lang="id" sz="1200" u="none" cap="none" strike="noStrike">
                 <a:solidFill>
                   <a:srgbClr val="4070A0"/>
                 </a:solidFill>
@@ -14454,7 +14462,7 @@
               <a:t>'AB'</a:t>
             </a:r>
             <a:r>
-              <a:rPr lang="id" sz="1200">
+              <a:rPr b="0" i="0" lang="id" sz="1200" u="none" cap="none" strike="noStrike">
                 <a:solidFill>
                   <a:schemeClr val="dk1"/>
                 </a:solidFill>
@@ -14466,7 +14474,7 @@
               <a:t>), index</a:t>
             </a:r>
             <a:r>
-              <a:rPr lang="id" sz="1200">
+              <a:rPr b="0" i="0" lang="id" sz="1200" u="none" cap="none" strike="noStrike">
                 <a:solidFill>
                   <a:srgbClr val="666666"/>
                 </a:solidFill>
@@ -14478,7 +14486,7 @@
               <a:t>=</a:t>
             </a:r>
             <a:r>
-              <a:rPr lang="id" sz="1200">
+              <a:rPr b="0" i="0" lang="id" sz="1200" u="none" cap="none" strike="noStrike">
                 <a:solidFill>
                   <a:schemeClr val="dk1"/>
                 </a:solidFill>
@@ -14490,7 +14498,7 @@
               <a:t>[</a:t>
             </a:r>
             <a:r>
-              <a:rPr lang="id" sz="1200">
+              <a:rPr b="0" i="0" lang="id" sz="1200" u="none" cap="none" strike="noStrike">
                 <a:solidFill>
                   <a:srgbClr val="4070A0"/>
                 </a:solidFill>
@@ -14502,7 +14510,7 @@
               <a:t>'x'</a:t>
             </a:r>
             <a:r>
-              <a:rPr lang="id" sz="1200">
+              <a:rPr b="0" i="0" lang="id" sz="1200" u="none" cap="none" strike="noStrike">
                 <a:solidFill>
                   <a:schemeClr val="dk1"/>
                 </a:solidFill>
@@ -14514,7 +14522,7 @@
               <a:t>, </a:t>
             </a:r>
             <a:r>
-              <a:rPr lang="id" sz="1200">
+              <a:rPr b="0" i="0" lang="id" sz="1200" u="none" cap="none" strike="noStrike">
                 <a:solidFill>
                   <a:srgbClr val="4070A0"/>
                 </a:solidFill>
@@ -14526,7 +14534,7 @@
               <a:t>'y'</a:t>
             </a:r>
             <a:r>
-              <a:rPr lang="id" sz="1200">
+              <a:rPr b="0" i="0" lang="id" sz="1200" u="none" cap="none" strike="noStrike">
                 <a:solidFill>
                   <a:schemeClr val="dk1"/>
                 </a:solidFill>
@@ -14537,7 +14545,7 @@
               </a:rPr>
               <a:t>])</a:t>
             </a:r>
-            <a:endParaRPr sz="1200">
+            <a:endParaRPr b="0" i="0" sz="1200" u="none" cap="none" strike="noStrike">
               <a:solidFill>
                 <a:schemeClr val="dk1"/>
               </a:solidFill>
@@ -14558,10 +14566,15 @@
               <a:spcAft>
                 <a:spcPts val="0"/>
               </a:spcAft>
+              <a:buClr>
+                <a:srgbClr val="000000"/>
+              </a:buClr>
+              <a:buSzPts val="1200"/>
+              <a:buFont typeface="Arial"/>
               <a:buNone/>
             </a:pPr>
             <a:r>
-              <a:rPr lang="id" sz="1200">
+              <a:rPr b="0" i="0" lang="id" sz="1200" u="none" cap="none" strike="noStrike">
                 <a:solidFill>
                   <a:schemeClr val="dk1"/>
                 </a:solidFill>
@@ -14573,7 +14586,7 @@
               <a:t>df2 </a:t>
             </a:r>
             <a:r>
-              <a:rPr lang="id" sz="1200">
+              <a:rPr b="0" i="0" lang="id" sz="1200" u="none" cap="none" strike="noStrike">
                 <a:solidFill>
                   <a:srgbClr val="666666"/>
                 </a:solidFill>
@@ -14585,7 +14598,7 @@
               <a:t>=</a:t>
             </a:r>
             <a:r>
-              <a:rPr lang="id" sz="1200">
+              <a:rPr b="0" i="0" lang="id" sz="1200" u="none" cap="none" strike="noStrike">
                 <a:solidFill>
                   <a:schemeClr val="dk1"/>
                 </a:solidFill>
@@ -14597,7 +14610,7 @@
               <a:t> pd</a:t>
             </a:r>
             <a:r>
-              <a:rPr lang="id" sz="1200">
+              <a:rPr b="0" i="0" lang="id" sz="1200" u="none" cap="none" strike="noStrike">
                 <a:solidFill>
                   <a:srgbClr val="666666"/>
                 </a:solidFill>
@@ -14609,7 +14622,7 @@
               <a:t>.</a:t>
             </a:r>
             <a:r>
-              <a:rPr lang="id" sz="1200">
+              <a:rPr b="0" i="0" lang="id" sz="1200" u="none" cap="none" strike="noStrike">
                 <a:solidFill>
                   <a:schemeClr val="dk1"/>
                 </a:solidFill>
@@ -14621,7 +14634,7 @@
               <a:t>DataFrame([[</a:t>
             </a:r>
             <a:r>
-              <a:rPr lang="id" sz="1200">
+              <a:rPr b="0" i="0" lang="id" sz="1200" u="none" cap="none" strike="noStrike">
                 <a:solidFill>
                   <a:srgbClr val="208050"/>
                 </a:solidFill>
@@ -14633,7 +14646,7 @@
               <a:t>5</a:t>
             </a:r>
             <a:r>
-              <a:rPr lang="id" sz="1200">
+              <a:rPr b="0" i="0" lang="id" sz="1200" u="none" cap="none" strike="noStrike">
                 <a:solidFill>
                   <a:schemeClr val="dk1"/>
                 </a:solidFill>
@@ -14645,7 +14658,7 @@
               <a:t>, </a:t>
             </a:r>
             <a:r>
-              <a:rPr lang="id" sz="1200">
+              <a:rPr b="0" i="0" lang="id" sz="1200" u="none" cap="none" strike="noStrike">
                 <a:solidFill>
                   <a:srgbClr val="208050"/>
                 </a:solidFill>
@@ -14657,7 +14670,7 @@
               <a:t>6</a:t>
             </a:r>
             <a:r>
-              <a:rPr lang="id" sz="1200">
+              <a:rPr b="0" i="0" lang="id" sz="1200" u="none" cap="none" strike="noStrike">
                 <a:solidFill>
                   <a:schemeClr val="dk1"/>
                 </a:solidFill>
@@ -14669,7 +14682,7 @@
               <a:t>], [</a:t>
             </a:r>
             <a:r>
-              <a:rPr lang="id" sz="1200">
+              <a:rPr b="0" i="0" lang="id" sz="1200" u="none" cap="none" strike="noStrike">
                 <a:solidFill>
                   <a:srgbClr val="208050"/>
                 </a:solidFill>
@@ -14681,7 +14694,7 @@
               <a:t>7</a:t>
             </a:r>
             <a:r>
-              <a:rPr lang="id" sz="1200">
+              <a:rPr b="0" i="0" lang="id" sz="1200" u="none" cap="none" strike="noStrike">
                 <a:solidFill>
                   <a:schemeClr val="dk1"/>
                 </a:solidFill>
@@ -14693,7 +14706,7 @@
               <a:t>, </a:t>
             </a:r>
             <a:r>
-              <a:rPr lang="id" sz="1200">
+              <a:rPr b="0" i="0" lang="id" sz="1200" u="none" cap="none" strike="noStrike">
                 <a:solidFill>
                   <a:srgbClr val="208050"/>
                 </a:solidFill>
@@ -14705,7 +14718,7 @@
               <a:t>8</a:t>
             </a:r>
             <a:r>
-              <a:rPr lang="id" sz="1200">
+              <a:rPr b="0" i="0" lang="id" sz="1200" u="none" cap="none" strike="noStrike">
                 <a:solidFill>
                   <a:schemeClr val="dk1"/>
                 </a:solidFill>
@@ -14717,7 +14730,7 @@
               <a:t>]], columns</a:t>
             </a:r>
             <a:r>
-              <a:rPr lang="id" sz="1200">
+              <a:rPr b="0" i="0" lang="id" sz="1200" u="none" cap="none" strike="noStrike">
                 <a:solidFill>
                   <a:srgbClr val="666666"/>
                 </a:solidFill>
@@ -14729,7 +14742,7 @@
               <a:t>=</a:t>
             </a:r>
             <a:r>
-              <a:rPr lang="id" sz="1200">
+              <a:rPr b="0" i="0" lang="id" sz="1200" u="none" cap="none" strike="noStrike">
                 <a:solidFill>
                   <a:srgbClr val="007020"/>
                 </a:solidFill>
@@ -14741,7 +14754,7 @@
               <a:t>list</a:t>
             </a:r>
             <a:r>
-              <a:rPr lang="id" sz="1200">
+              <a:rPr b="0" i="0" lang="id" sz="1200" u="none" cap="none" strike="noStrike">
                 <a:solidFill>
                   <a:schemeClr val="dk1"/>
                 </a:solidFill>
@@ -14753,7 +14766,7 @@
               <a:t>(</a:t>
             </a:r>
             <a:r>
-              <a:rPr lang="id" sz="1200">
+              <a:rPr b="0" i="0" lang="id" sz="1200" u="none" cap="none" strike="noStrike">
                 <a:solidFill>
                   <a:srgbClr val="4070A0"/>
                 </a:solidFill>
@@ -14765,7 +14778,7 @@
               <a:t>'AB'</a:t>
             </a:r>
             <a:r>
-              <a:rPr lang="id" sz="1200">
+              <a:rPr b="0" i="0" lang="id" sz="1200" u="none" cap="none" strike="noStrike">
                 <a:solidFill>
                   <a:schemeClr val="dk1"/>
                 </a:solidFill>
@@ -14777,7 +14790,7 @@
               <a:t>), index</a:t>
             </a:r>
             <a:r>
-              <a:rPr lang="id" sz="1200">
+              <a:rPr b="0" i="0" lang="id" sz="1200" u="none" cap="none" strike="noStrike">
                 <a:solidFill>
                   <a:srgbClr val="666666"/>
                 </a:solidFill>
@@ -14789,7 +14802,7 @@
               <a:t>=</a:t>
             </a:r>
             <a:r>
-              <a:rPr lang="id" sz="1200">
+              <a:rPr b="0" i="0" lang="id" sz="1200" u="none" cap="none" strike="noStrike">
                 <a:solidFill>
                   <a:schemeClr val="dk1"/>
                 </a:solidFill>
@@ -14801,7 +14814,7 @@
               <a:t>[</a:t>
             </a:r>
             <a:r>
-              <a:rPr lang="id" sz="1200">
+              <a:rPr b="0" i="0" lang="id" sz="1200" u="none" cap="none" strike="noStrike">
                 <a:solidFill>
                   <a:srgbClr val="4070A0"/>
                 </a:solidFill>
@@ -14813,7 +14826,7 @@
               <a:t>'x'</a:t>
             </a:r>
             <a:r>
-              <a:rPr lang="id" sz="1200">
+              <a:rPr b="0" i="0" lang="id" sz="1200" u="none" cap="none" strike="noStrike">
                 <a:solidFill>
                   <a:schemeClr val="dk1"/>
                 </a:solidFill>
@@ -14825,7 +14838,7 @@
               <a:t>, </a:t>
             </a:r>
             <a:r>
-              <a:rPr lang="id" sz="1200">
+              <a:rPr b="0" i="0" lang="id" sz="1200" u="none" cap="none" strike="noStrike">
                 <a:solidFill>
                   <a:srgbClr val="4070A0"/>
                 </a:solidFill>
@@ -14837,7 +14850,7 @@
               <a:t>'y'</a:t>
             </a:r>
             <a:r>
-              <a:rPr lang="id" sz="1200">
+              <a:rPr b="0" i="0" lang="id" sz="1200" u="none" cap="none" strike="noStrike">
                 <a:solidFill>
                   <a:schemeClr val="dk1"/>
                 </a:solidFill>
@@ -14848,7 +14861,7 @@
               </a:rPr>
               <a:t>])</a:t>
             </a:r>
-            <a:endParaRPr sz="1200">
+            <a:endParaRPr b="0" i="0" sz="1200" u="none" cap="none" strike="noStrike">
               <a:solidFill>
                 <a:schemeClr val="dk1"/>
               </a:solidFill>
@@ -14879,7 +14892,7 @@
             <a:r>
               <a:t/>
             </a:r>
-            <a:endParaRPr sz="1200">
+            <a:endParaRPr b="0" i="0" sz="1200" u="none" cap="none" strike="noStrike">
               <a:solidFill>
                 <a:schemeClr val="dk1"/>
               </a:solidFill>
@@ -14908,7 +14921,7 @@
               <a:buNone/>
             </a:pPr>
             <a:r>
-              <a:rPr lang="id" sz="1200">
+              <a:rPr b="0" i="0" lang="id" sz="1200" u="none" cap="none" strike="noStrike">
                 <a:solidFill>
                   <a:schemeClr val="dk1"/>
                 </a:solidFill>
@@ -14920,7 +14933,7 @@
               <a:t>df</a:t>
             </a:r>
             <a:r>
-              <a:rPr lang="id" sz="1200">
+              <a:rPr b="0" i="0" lang="id" sz="1200" u="none" cap="none" strike="noStrike">
                 <a:solidFill>
                   <a:srgbClr val="666666"/>
                 </a:solidFill>
@@ -14932,7 +14945,7 @@
               <a:t>.</a:t>
             </a:r>
             <a:r>
-              <a:rPr lang="id" sz="1200">
+              <a:rPr b="0" i="0" lang="id" sz="1200" u="none" cap="none" strike="noStrike">
                 <a:solidFill>
                   <a:schemeClr val="dk1"/>
                 </a:solidFill>
@@ -14943,7 +14956,7 @@
               </a:rPr>
               <a:t>append(df2)</a:t>
             </a:r>
-            <a:endParaRPr sz="1200">
+            <a:endParaRPr b="0" i="0" sz="1200" u="none" cap="none" strike="noStrike">
               <a:solidFill>
                 <a:schemeClr val="dk1"/>
               </a:solidFill>
@@ -14954,7 +14967,7 @@
             </a:endParaRPr>
           </a:p>
           <a:p>
-            <a:pPr indent="0" lvl="0" marL="0" rtl="0" algn="l">
+            <a:pPr indent="0" lvl="0" marL="0" marR="0" rtl="0" algn="l">
               <a:lnSpc>
                 <a:spcPct val="150000"/>
               </a:lnSpc>
@@ -14964,12 +14977,17 @@
               <a:spcAft>
                 <a:spcPts val="0"/>
               </a:spcAft>
+              <a:buClr>
+                <a:srgbClr val="000000"/>
+              </a:buClr>
+              <a:buSzPts val="1400"/>
+              <a:buFont typeface="Arial"/>
               <a:buNone/>
             </a:pPr>
             <a:r>
               <a:t/>
             </a:r>
-            <a:endParaRPr>
+            <a:endParaRPr b="0" i="0" sz="1400" u="none" cap="none" strike="noStrike">
               <a:solidFill>
                 <a:schemeClr val="dk1"/>
               </a:solidFill>
@@ -15027,10 +15045,14 @@
               <a:buNone/>
             </a:pPr>
             <a:r>
-              <a:rPr b="1" lang="id" sz="2400">
+              <a:rPr b="1" i="0" lang="id" sz="2400" u="none" cap="none" strike="noStrike">
                 <a:solidFill>
                   <a:srgbClr val="00B4CE"/>
                 </a:solidFill>
+                <a:latin typeface="Arial"/>
+                <a:ea typeface="Arial"/>
+                <a:cs typeface="Arial"/>
+                <a:sym typeface="Arial"/>
               </a:rPr>
               <a:t>Quiz</a:t>
             </a:r>
@@ -15160,25 +15182,37 @@
           </a:bodyPr>
           <a:lstStyle/>
           <a:p>
-            <a:pPr indent="0" lvl="0" marL="0" rtl="0" algn="l">
-              <a:spcBef>
-                <a:spcPts val="0"/>
-              </a:spcBef>
-              <a:spcAft>
-                <a:spcPts val="0"/>
-              </a:spcAft>
+            <a:pPr indent="0" lvl="0" marL="0" marR="0" rtl="0" algn="l">
+              <a:lnSpc>
+                <a:spcPct val="100000"/>
+              </a:lnSpc>
+              <a:spcBef>
+                <a:spcPts val="0"/>
+              </a:spcBef>
+              <a:spcAft>
+                <a:spcPts val="0"/>
+              </a:spcAft>
+              <a:buClr>
+                <a:srgbClr val="000000"/>
+              </a:buClr>
+              <a:buSzPts val="1400"/>
+              <a:buFont typeface="Arial"/>
               <a:buNone/>
             </a:pPr>
             <a:r>
               <a:t/>
             </a:r>
-            <a:endParaRPr>
+            <a:endParaRPr b="0" i="0" sz="1400" u="none" cap="none" strike="noStrike">
               <a:solidFill>
                 <a:schemeClr val="lt1"/>
               </a:solidFill>
               <a:highlight>
                 <a:schemeClr val="lt1"/>
               </a:highlight>
+              <a:latin typeface="Arial"/>
+              <a:ea typeface="Arial"/>
+              <a:cs typeface="Arial"/>
+              <a:sym typeface="Arial"/>
             </a:endParaRPr>
           </a:p>
         </p:txBody>
@@ -15288,7 +15322,7 @@
             </a:bodyPr>
             <a:lstStyle/>
             <a:p>
-              <a:pPr indent="0" lvl="0" marL="0" rtl="0" algn="ctr">
+              <a:pPr indent="0" lvl="0" marL="0" marR="0" rtl="0" algn="ctr">
                 <a:lnSpc>
                   <a:spcPct val="150000"/>
                 </a:lnSpc>
@@ -15306,7 +15340,7 @@
                 <a:buNone/>
               </a:pPr>
               <a:r>
-                <a:rPr lang="id" u="sng">
+                <a:rPr b="0" i="0" lang="id" sz="1400" u="sng" cap="none" strike="noStrike">
                   <a:solidFill>
                     <a:schemeClr val="hlink"/>
                   </a:solidFill>
@@ -15596,7 +15630,7 @@
           <a:effectLst>
             <a:outerShdw blurRad="57150" rotWithShape="0" algn="bl" dir="5400000" dist="19050">
               <a:srgbClr val="000000">
-                <a:alpha val="48240"/>
+                <a:alpha val="48235"/>
               </a:srgbClr>
             </a:outerShdw>
           </a:effectLst>
@@ -15726,7 +15760,7 @@
           </a:bodyPr>
           <a:lstStyle/>
           <a:p>
-            <a:pPr indent="0" lvl="0" marL="0" rtl="0" algn="l">
+            <a:pPr indent="0" lvl="0" marL="0" marR="0" rtl="0" algn="l">
               <a:lnSpc>
                 <a:spcPct val="150000"/>
               </a:lnSpc>
@@ -15744,7 +15778,7 @@
               <a:buNone/>
             </a:pPr>
             <a:r>
-              <a:rPr lang="id">
+              <a:rPr b="0" i="0" lang="id" sz="1400" u="none" cap="none" strike="noStrike">
                 <a:solidFill>
                   <a:srgbClr val="444444"/>
                 </a:solidFill>
@@ -15759,7 +15793,7 @@
               <a:t>Pandas is a fast, powerful, flexible and easy to use open source </a:t>
             </a:r>
             <a:r>
-              <a:rPr b="1" lang="id">
+              <a:rPr b="1" i="0" lang="id" sz="1400" u="none" cap="none" strike="noStrike">
                 <a:solidFill>
                   <a:srgbClr val="444444"/>
                 </a:solidFill>
@@ -15774,7 +15808,7 @@
               <a:t>data analysis and manipulation tool</a:t>
             </a:r>
             <a:r>
-              <a:rPr lang="id">
+              <a:rPr b="0" i="0" lang="id" sz="1400" u="none" cap="none" strike="noStrike">
                 <a:solidFill>
                   <a:srgbClr val="444444"/>
                 </a:solidFill>
@@ -15789,7 +15823,7 @@
               <a:t>, built on top of the </a:t>
             </a:r>
             <a:r>
-              <a:rPr lang="id">
+              <a:rPr b="0" i="0" lang="id" sz="1400" u="none" cap="none" strike="noStrike">
                 <a:solidFill>
                   <a:srgbClr val="130654"/>
                 </a:solidFill>
@@ -15814,7 +15848,7 @@
               <a:t>Python</a:t>
             </a:r>
             <a:r>
-              <a:rPr lang="id">
+              <a:rPr b="0" i="0" lang="id" sz="1400" u="none" cap="none" strike="noStrike">
                 <a:solidFill>
                   <a:srgbClr val="444444"/>
                 </a:solidFill>
@@ -15828,7 +15862,10 @@
               </a:rPr>
               <a:t> programming language.</a:t>
             </a:r>
-            <a:endParaRPr>
+            <a:endParaRPr b="0" i="0" sz="1400" u="none" cap="none" strike="noStrike">
+              <a:solidFill>
+                <a:srgbClr val="000000"/>
+              </a:solidFill>
               <a:highlight>
                 <a:schemeClr val="lt1"/>
               </a:highlight>
@@ -15883,10 +15920,14 @@
               <a:buNone/>
             </a:pPr>
             <a:r>
-              <a:rPr b="1" lang="id" sz="2400">
+              <a:rPr b="1" i="0" lang="id" sz="2400" u="none" cap="none" strike="noStrike">
                 <a:solidFill>
                   <a:srgbClr val="00B4CE"/>
                 </a:solidFill>
+                <a:latin typeface="Arial"/>
+                <a:ea typeface="Arial"/>
+                <a:cs typeface="Arial"/>
+                <a:sym typeface="Arial"/>
               </a:rPr>
               <a:t>What is Pandas?</a:t>
             </a:r>
@@ -16023,7 +16064,7 @@
           <a:effectLst>
             <a:outerShdw blurRad="57150" rotWithShape="0" algn="bl" dir="5400000" dist="19050">
               <a:srgbClr val="000000">
-                <a:alpha val="48235"/>
+                <a:alpha val="47843"/>
               </a:srgbClr>
             </a:outerShdw>
           </a:effectLst>
@@ -16061,15 +16102,7 @@
                 <a:cs typeface="Arial"/>
                 <a:sym typeface="Arial"/>
               </a:rPr>
-              <a:t>Page 0</a:t>
-            </a:r>
-            <a:r>
-              <a:rPr b="1" lang="id" sz="1200">
-                <a:solidFill>
-                  <a:schemeClr val="lt1"/>
-                </a:solidFill>
-              </a:rPr>
-              <a:t>2</a:t>
+              <a:t>Page 02</a:t>
             </a:r>
             <a:endParaRPr b="1" i="0" sz="1200" u="none" cap="none" strike="noStrike">
               <a:solidFill>
@@ -16161,7 +16194,7 @@
           </a:bodyPr>
           <a:lstStyle/>
           <a:p>
-            <a:pPr indent="-317500" lvl="0" marL="457200" rtl="0" algn="l">
+            <a:pPr indent="-317500" lvl="0" marL="457200" marR="0" rtl="0" algn="l">
               <a:lnSpc>
                 <a:spcPct val="150000"/>
               </a:lnSpc>
@@ -16179,7 +16212,10 @@
               <a:buChar char="❖"/>
             </a:pPr>
             <a:r>
-              <a:rPr b="1" lang="id">
+              <a:rPr b="1" i="0" lang="id" sz="1400" u="none" cap="none" strike="noStrike">
+                <a:solidFill>
+                  <a:srgbClr val="000000"/>
+                </a:solidFill>
                 <a:latin typeface="Montserrat"/>
                 <a:ea typeface="Montserrat"/>
                 <a:cs typeface="Montserrat"/>
@@ -16188,7 +16224,10 @@
               <a:t>Fast and efficient </a:t>
             </a:r>
             <a:r>
-              <a:rPr lang="id">
+              <a:rPr b="0" i="0" lang="id" sz="1400" u="none" cap="none" strike="noStrike">
+                <a:solidFill>
+                  <a:srgbClr val="000000"/>
+                </a:solidFill>
                 <a:latin typeface="Montserrat"/>
                 <a:ea typeface="Montserrat"/>
                 <a:cs typeface="Montserrat"/>
@@ -16196,7 +16235,10 @@
               </a:rPr>
               <a:t>DataFrame object with default and customized indexing</a:t>
             </a:r>
-            <a:endParaRPr>
+            <a:endParaRPr b="0" i="0" sz="1400" u="none" cap="none" strike="noStrike">
+              <a:solidFill>
+                <a:srgbClr val="000000"/>
+              </a:solidFill>
               <a:latin typeface="Montserrat"/>
               <a:ea typeface="Montserrat"/>
               <a:cs typeface="Montserrat"/>
@@ -16204,7 +16246,7 @@
             </a:endParaRPr>
           </a:p>
           <a:p>
-            <a:pPr indent="-317500" lvl="0" marL="457200" rtl="0" algn="l">
+            <a:pPr indent="-317500" lvl="0" marL="457200" marR="0" rtl="0" algn="l">
               <a:lnSpc>
                 <a:spcPct val="150000"/>
               </a:lnSpc>
@@ -16222,7 +16264,10 @@
               <a:buChar char="❖"/>
             </a:pPr>
             <a:r>
-              <a:rPr lang="id">
+              <a:rPr b="0" i="0" lang="id" sz="1400" u="none" cap="none" strike="noStrike">
+                <a:solidFill>
+                  <a:srgbClr val="000000"/>
+                </a:solidFill>
                 <a:latin typeface="Montserrat"/>
                 <a:ea typeface="Montserrat"/>
                 <a:cs typeface="Montserrat"/>
@@ -16231,7 +16276,10 @@
               <a:t>Tools for </a:t>
             </a:r>
             <a:r>
-              <a:rPr b="1" lang="id">
+              <a:rPr b="1" i="0" lang="id" sz="1400" u="none" cap="none" strike="noStrike">
+                <a:solidFill>
+                  <a:srgbClr val="000000"/>
+                </a:solidFill>
                 <a:latin typeface="Montserrat"/>
                 <a:ea typeface="Montserrat"/>
                 <a:cs typeface="Montserrat"/>
@@ -16240,7 +16288,10 @@
               <a:t>loading data</a:t>
             </a:r>
             <a:r>
-              <a:rPr lang="id">
+              <a:rPr b="0" i="0" lang="id" sz="1400" u="none" cap="none" strike="noStrike">
+                <a:solidFill>
+                  <a:srgbClr val="000000"/>
+                </a:solidFill>
                 <a:latin typeface="Montserrat"/>
                 <a:ea typeface="Montserrat"/>
                 <a:cs typeface="Montserrat"/>
@@ -16248,7 +16299,10 @@
               </a:rPr>
               <a:t> into in-memory data objects from different file formats</a:t>
             </a:r>
-            <a:endParaRPr>
+            <a:endParaRPr b="0" i="0" sz="1400" u="none" cap="none" strike="noStrike">
+              <a:solidFill>
+                <a:srgbClr val="000000"/>
+              </a:solidFill>
               <a:latin typeface="Montserrat"/>
               <a:ea typeface="Montserrat"/>
               <a:cs typeface="Montserrat"/>
@@ -16256,7 +16310,7 @@
             </a:endParaRPr>
           </a:p>
           <a:p>
-            <a:pPr indent="-317500" lvl="0" marL="457200" rtl="0" algn="l">
+            <a:pPr indent="-317500" lvl="0" marL="457200" marR="0" rtl="0" algn="l">
               <a:lnSpc>
                 <a:spcPct val="150000"/>
               </a:lnSpc>
@@ -16274,7 +16328,10 @@
               <a:buChar char="❖"/>
             </a:pPr>
             <a:r>
-              <a:rPr lang="id">
+              <a:rPr b="0" i="0" lang="id" sz="1400" u="none" cap="none" strike="noStrike">
+                <a:solidFill>
+                  <a:srgbClr val="000000"/>
+                </a:solidFill>
                 <a:latin typeface="Montserrat"/>
                 <a:ea typeface="Montserrat"/>
                 <a:cs typeface="Montserrat"/>
@@ -16283,7 +16340,10 @@
               <a:t>Data alignment and integrated handling of</a:t>
             </a:r>
             <a:r>
-              <a:rPr b="1" lang="id">
+              <a:rPr b="1" i="0" lang="id" sz="1400" u="none" cap="none" strike="noStrike">
+                <a:solidFill>
+                  <a:srgbClr val="000000"/>
+                </a:solidFill>
                 <a:latin typeface="Montserrat"/>
                 <a:ea typeface="Montserrat"/>
                 <a:cs typeface="Montserrat"/>
@@ -16291,7 +16351,10 @@
               </a:rPr>
               <a:t> missing data</a:t>
             </a:r>
-            <a:endParaRPr>
+            <a:endParaRPr b="0" i="0" sz="1400" u="none" cap="none" strike="noStrike">
+              <a:solidFill>
+                <a:srgbClr val="000000"/>
+              </a:solidFill>
               <a:latin typeface="Montserrat"/>
               <a:ea typeface="Montserrat"/>
               <a:cs typeface="Montserrat"/>
@@ -16299,7 +16362,7 @@
             </a:endParaRPr>
           </a:p>
           <a:p>
-            <a:pPr indent="-317500" lvl="0" marL="457200" rtl="0" algn="l">
+            <a:pPr indent="-317500" lvl="0" marL="457200" marR="0" rtl="0" algn="l">
               <a:lnSpc>
                 <a:spcPct val="150000"/>
               </a:lnSpc>
@@ -16317,7 +16380,10 @@
               <a:buChar char="❖"/>
             </a:pPr>
             <a:r>
-              <a:rPr b="1" lang="id">
+              <a:rPr b="1" i="0" lang="id" sz="1400" u="none" cap="none" strike="noStrike">
+                <a:solidFill>
+                  <a:srgbClr val="000000"/>
+                </a:solidFill>
                 <a:latin typeface="Montserrat"/>
                 <a:ea typeface="Montserrat"/>
                 <a:cs typeface="Montserrat"/>
@@ -16326,7 +16392,10 @@
               <a:t>Reshaping and pivoting</a:t>
             </a:r>
             <a:r>
-              <a:rPr lang="id">
+              <a:rPr b="0" i="0" lang="id" sz="1400" u="none" cap="none" strike="noStrike">
+                <a:solidFill>
+                  <a:srgbClr val="000000"/>
+                </a:solidFill>
                 <a:latin typeface="Montserrat"/>
                 <a:ea typeface="Montserrat"/>
                 <a:cs typeface="Montserrat"/>
@@ -16334,7 +16403,10 @@
               </a:rPr>
               <a:t> of date sets</a:t>
             </a:r>
-            <a:endParaRPr>
+            <a:endParaRPr b="0" i="0" sz="1400" u="none" cap="none" strike="noStrike">
+              <a:solidFill>
+                <a:srgbClr val="000000"/>
+              </a:solidFill>
               <a:latin typeface="Montserrat"/>
               <a:ea typeface="Montserrat"/>
               <a:cs typeface="Montserrat"/>
@@ -16342,7 +16414,7 @@
             </a:endParaRPr>
           </a:p>
           <a:p>
-            <a:pPr indent="-317500" lvl="0" marL="457200" rtl="0" algn="l">
+            <a:pPr indent="-317500" lvl="0" marL="457200" marR="0" rtl="0" algn="l">
               <a:lnSpc>
                 <a:spcPct val="150000"/>
               </a:lnSpc>
@@ -16360,7 +16432,10 @@
               <a:buChar char="❖"/>
             </a:pPr>
             <a:r>
-              <a:rPr lang="id">
+              <a:rPr b="0" i="0" lang="id" sz="1400" u="none" cap="none" strike="noStrike">
+                <a:solidFill>
+                  <a:srgbClr val="000000"/>
+                </a:solidFill>
                 <a:latin typeface="Montserrat"/>
                 <a:ea typeface="Montserrat"/>
                 <a:cs typeface="Montserrat"/>
@@ -16369,7 +16444,10 @@
               <a:t>Label-based </a:t>
             </a:r>
             <a:r>
-              <a:rPr b="1" lang="id">
+              <a:rPr b="1" i="0" lang="id" sz="1400" u="none" cap="none" strike="noStrike">
+                <a:solidFill>
+                  <a:srgbClr val="000000"/>
+                </a:solidFill>
                 <a:latin typeface="Montserrat"/>
                 <a:ea typeface="Montserrat"/>
                 <a:cs typeface="Montserrat"/>
@@ -16378,7 +16456,10 @@
               <a:t>slicing, indexing and subsetting</a:t>
             </a:r>
             <a:r>
-              <a:rPr lang="id">
+              <a:rPr b="0" i="0" lang="id" sz="1400" u="none" cap="none" strike="noStrike">
+                <a:solidFill>
+                  <a:srgbClr val="000000"/>
+                </a:solidFill>
                 <a:latin typeface="Montserrat"/>
                 <a:ea typeface="Montserrat"/>
                 <a:cs typeface="Montserrat"/>
@@ -16386,7 +16467,10 @@
               </a:rPr>
               <a:t> of large data sets</a:t>
             </a:r>
-            <a:endParaRPr>
+            <a:endParaRPr b="0" i="0" sz="1400" u="none" cap="none" strike="noStrike">
+              <a:solidFill>
+                <a:srgbClr val="000000"/>
+              </a:solidFill>
               <a:latin typeface="Montserrat"/>
               <a:ea typeface="Montserrat"/>
               <a:cs typeface="Montserrat"/>
@@ -16394,7 +16478,7 @@
             </a:endParaRPr>
           </a:p>
           <a:p>
-            <a:pPr indent="-317500" lvl="0" marL="457200" rtl="0" algn="l">
+            <a:pPr indent="-317500" lvl="0" marL="457200" marR="0" rtl="0" algn="l">
               <a:lnSpc>
                 <a:spcPct val="150000"/>
               </a:lnSpc>
@@ -16412,7 +16496,10 @@
               <a:buChar char="❖"/>
             </a:pPr>
             <a:r>
-              <a:rPr lang="id">
+              <a:rPr b="0" i="0" lang="id" sz="1400" u="none" cap="none" strike="noStrike">
+                <a:solidFill>
+                  <a:srgbClr val="000000"/>
+                </a:solidFill>
                 <a:latin typeface="Montserrat"/>
                 <a:ea typeface="Montserrat"/>
                 <a:cs typeface="Montserrat"/>
@@ -16421,7 +16508,10 @@
               <a:t>Columns from a data structure can be</a:t>
             </a:r>
             <a:r>
-              <a:rPr b="1" lang="id">
+              <a:rPr b="1" i="0" lang="id" sz="1400" u="none" cap="none" strike="noStrike">
+                <a:solidFill>
+                  <a:srgbClr val="000000"/>
+                </a:solidFill>
                 <a:latin typeface="Montserrat"/>
                 <a:ea typeface="Montserrat"/>
                 <a:cs typeface="Montserrat"/>
@@ -16429,7 +16519,10 @@
               </a:rPr>
               <a:t> deleted or inserted</a:t>
             </a:r>
-            <a:endParaRPr>
+            <a:endParaRPr b="0" i="0" sz="1400" u="none" cap="none" strike="noStrike">
+              <a:solidFill>
+                <a:srgbClr val="000000"/>
+              </a:solidFill>
               <a:latin typeface="Montserrat"/>
               <a:ea typeface="Montserrat"/>
               <a:cs typeface="Montserrat"/>
@@ -16437,7 +16530,7 @@
             </a:endParaRPr>
           </a:p>
           <a:p>
-            <a:pPr indent="-317500" lvl="0" marL="457200" rtl="0" algn="l">
+            <a:pPr indent="-317500" lvl="0" marL="457200" marR="0" rtl="0" algn="l">
               <a:lnSpc>
                 <a:spcPct val="150000"/>
               </a:lnSpc>
@@ -16455,7 +16548,10 @@
               <a:buChar char="❖"/>
             </a:pPr>
             <a:r>
-              <a:rPr b="1" lang="id">
+              <a:rPr b="1" i="0" lang="id" sz="1400" u="none" cap="none" strike="noStrike">
+                <a:solidFill>
+                  <a:srgbClr val="000000"/>
+                </a:solidFill>
                 <a:latin typeface="Montserrat"/>
                 <a:ea typeface="Montserrat"/>
                 <a:cs typeface="Montserrat"/>
@@ -16464,7 +16560,10 @@
               <a:t>Group </a:t>
             </a:r>
             <a:r>
-              <a:rPr lang="id">
+              <a:rPr b="0" i="0" lang="id" sz="1400" u="none" cap="none" strike="noStrike">
+                <a:solidFill>
+                  <a:srgbClr val="000000"/>
+                </a:solidFill>
                 <a:latin typeface="Montserrat"/>
                 <a:ea typeface="Montserrat"/>
                 <a:cs typeface="Montserrat"/>
@@ -16472,7 +16571,10 @@
               </a:rPr>
               <a:t>by data for aggregation and transformations</a:t>
             </a:r>
-            <a:endParaRPr>
+            <a:endParaRPr b="0" i="0" sz="1400" u="none" cap="none" strike="noStrike">
+              <a:solidFill>
+                <a:srgbClr val="000000"/>
+              </a:solidFill>
               <a:latin typeface="Montserrat"/>
               <a:ea typeface="Montserrat"/>
               <a:cs typeface="Montserrat"/>
@@ -16480,7 +16582,7 @@
             </a:endParaRPr>
           </a:p>
           <a:p>
-            <a:pPr indent="-317500" lvl="0" marL="457200" rtl="0" algn="l">
+            <a:pPr indent="-317500" lvl="0" marL="457200" marR="0" rtl="0" algn="l">
               <a:lnSpc>
                 <a:spcPct val="150000"/>
               </a:lnSpc>
@@ -16498,7 +16600,10 @@
               <a:buChar char="❖"/>
             </a:pPr>
             <a:r>
-              <a:rPr lang="id">
+              <a:rPr b="0" i="0" lang="id" sz="1400" u="none" cap="none" strike="noStrike">
+                <a:solidFill>
+                  <a:srgbClr val="000000"/>
+                </a:solidFill>
                 <a:latin typeface="Montserrat"/>
                 <a:ea typeface="Montserrat"/>
                 <a:cs typeface="Montserrat"/>
@@ -16507,7 +16612,10 @@
               <a:t>High performance </a:t>
             </a:r>
             <a:r>
-              <a:rPr b="1" lang="id">
+              <a:rPr b="1" i="0" lang="id" sz="1400" u="none" cap="none" strike="noStrike">
+                <a:solidFill>
+                  <a:srgbClr val="000000"/>
+                </a:solidFill>
                 <a:latin typeface="Montserrat"/>
                 <a:ea typeface="Montserrat"/>
                 <a:cs typeface="Montserrat"/>
@@ -16516,7 +16624,10 @@
               <a:t>merging and joining</a:t>
             </a:r>
             <a:r>
-              <a:rPr lang="id">
+              <a:rPr b="0" i="0" lang="id" sz="1400" u="none" cap="none" strike="noStrike">
+                <a:solidFill>
+                  <a:srgbClr val="000000"/>
+                </a:solidFill>
                 <a:latin typeface="Montserrat"/>
                 <a:ea typeface="Montserrat"/>
                 <a:cs typeface="Montserrat"/>
@@ -16524,7 +16635,10 @@
               </a:rPr>
               <a:t> of data</a:t>
             </a:r>
-            <a:endParaRPr b="1" i="1">
+            <a:endParaRPr b="1" i="1" sz="1400" u="none" cap="none" strike="noStrike">
+              <a:solidFill>
+                <a:srgbClr val="000000"/>
+              </a:solidFill>
               <a:latin typeface="Montserrat"/>
               <a:ea typeface="Montserrat"/>
               <a:cs typeface="Montserrat"/>
@@ -16576,10 +16690,14 @@
               <a:buNone/>
             </a:pPr>
             <a:r>
-              <a:rPr b="1" lang="id" sz="2400">
+              <a:rPr b="1" i="0" lang="id" sz="2400" u="none" cap="none" strike="noStrike">
                 <a:solidFill>
                   <a:srgbClr val="00B4CE"/>
                 </a:solidFill>
+                <a:latin typeface="Arial"/>
+                <a:ea typeface="Arial"/>
+                <a:cs typeface="Arial"/>
+                <a:sym typeface="Arial"/>
               </a:rPr>
               <a:t>Key Features</a:t>
             </a:r>
@@ -16716,7 +16834,7 @@
           <a:effectLst>
             <a:outerShdw blurRad="57150" rotWithShape="0" algn="bl" dir="5400000" dist="19050">
               <a:srgbClr val="000000">
-                <a:alpha val="48240"/>
+                <a:alpha val="48235"/>
               </a:srgbClr>
             </a:outerShdw>
           </a:effectLst>
@@ -16754,15 +16872,7 @@
                 <a:cs typeface="Arial"/>
                 <a:sym typeface="Arial"/>
               </a:rPr>
-              <a:t>Page 0</a:t>
-            </a:r>
-            <a:r>
-              <a:rPr b="1" lang="id" sz="1200">
-                <a:solidFill>
-                  <a:schemeClr val="lt1"/>
-                </a:solidFill>
-              </a:rPr>
-              <a:t>3</a:t>
+              <a:t>Page 03</a:t>
             </a:r>
             <a:endParaRPr b="1" i="0" sz="1200" u="none" cap="none" strike="noStrike">
               <a:solidFill>
@@ -16854,7 +16964,7 @@
           </a:bodyPr>
           <a:lstStyle/>
           <a:p>
-            <a:pPr indent="-317500" lvl="0" marL="457200" rtl="0" algn="l">
+            <a:pPr indent="-317500" lvl="0" marL="457200" marR="0" rtl="0" algn="l">
               <a:lnSpc>
                 <a:spcPct val="90000"/>
               </a:lnSpc>
@@ -16872,7 +16982,10 @@
               <a:buChar char="❖"/>
             </a:pPr>
             <a:r>
-              <a:rPr b="1" lang="id">
+              <a:rPr b="1" i="0" lang="id" sz="1400" u="none" cap="none" strike="noStrike">
+                <a:solidFill>
+                  <a:srgbClr val="000000"/>
+                </a:solidFill>
                 <a:latin typeface="Montserrat"/>
                 <a:ea typeface="Montserrat"/>
                 <a:cs typeface="Montserrat"/>
@@ -16880,7 +16993,10 @@
               </a:rPr>
               <a:t>Series</a:t>
             </a:r>
-            <a:endParaRPr b="1">
+            <a:endParaRPr b="1" i="0" sz="1400" u="none" cap="none" strike="noStrike">
+              <a:solidFill>
+                <a:srgbClr val="000000"/>
+              </a:solidFill>
               <a:latin typeface="Montserrat"/>
               <a:ea typeface="Montserrat"/>
               <a:cs typeface="Montserrat"/>
@@ -16888,7 +17004,7 @@
             </a:endParaRPr>
           </a:p>
           <a:p>
-            <a:pPr indent="0" lvl="0" marL="457200" rtl="0" algn="l">
+            <a:pPr indent="0" lvl="0" marL="457200" marR="0" rtl="0" algn="l">
               <a:lnSpc>
                 <a:spcPct val="90000"/>
               </a:lnSpc>
@@ -16898,10 +17014,18 @@
               <a:spcAft>
                 <a:spcPts val="0"/>
               </a:spcAft>
+              <a:buClr>
+                <a:srgbClr val="000000"/>
+              </a:buClr>
+              <a:buSzPts val="1400"/>
+              <a:buFont typeface="Arial"/>
               <a:buNone/>
             </a:pPr>
             <a:r>
-              <a:rPr lang="id">
+              <a:rPr b="0" i="0" lang="id" sz="1400" u="none" cap="none" strike="noStrike">
+                <a:solidFill>
+                  <a:srgbClr val="000000"/>
+                </a:solidFill>
                 <a:highlight>
                   <a:srgbClr val="FFFFFF"/>
                 </a:highlight>
@@ -16912,7 +17036,10 @@
               </a:rPr>
               <a:t>Series is a one-dimensional array like structure with homogeneous data. For example, the following series is a collection of integers 10, 23, 56, …</a:t>
             </a:r>
-            <a:endParaRPr>
+            <a:endParaRPr b="0" i="0" sz="1400" u="none" cap="none" strike="noStrike">
+              <a:solidFill>
+                <a:srgbClr val="000000"/>
+              </a:solidFill>
               <a:highlight>
                 <a:srgbClr val="FFFFFF"/>
               </a:highlight>
@@ -16923,7 +17050,7 @@
             </a:endParaRPr>
           </a:p>
           <a:p>
-            <a:pPr indent="0" lvl="0" marL="457200" rtl="0" algn="l">
+            <a:pPr indent="0" lvl="0" marL="457200" marR="0" rtl="0" algn="l">
               <a:lnSpc>
                 <a:spcPct val="90000"/>
               </a:lnSpc>
@@ -16933,12 +17060,20 @@
               <a:spcAft>
                 <a:spcPts val="0"/>
               </a:spcAft>
+              <a:buClr>
+                <a:srgbClr val="000000"/>
+              </a:buClr>
+              <a:buSzPts val="1400"/>
+              <a:buFont typeface="Arial"/>
               <a:buNone/>
             </a:pPr>
             <a:r>
               <a:t/>
             </a:r>
-            <a:endParaRPr>
+            <a:endParaRPr b="0" i="0" sz="1400" u="none" cap="none" strike="noStrike">
+              <a:solidFill>
+                <a:srgbClr val="000000"/>
+              </a:solidFill>
               <a:highlight>
                 <a:srgbClr val="FFFFFF"/>
               </a:highlight>
@@ -16949,7 +17084,7 @@
             </a:endParaRPr>
           </a:p>
           <a:p>
-            <a:pPr indent="-317500" lvl="0" marL="914400" rtl="0" algn="l">
+            <a:pPr indent="-317500" lvl="0" marL="914400" marR="0" rtl="0" algn="l">
               <a:lnSpc>
                 <a:spcPct val="115000"/>
               </a:lnSpc>
@@ -16959,12 +17094,18 @@
               <a:spcAft>
                 <a:spcPts val="0"/>
               </a:spcAft>
+              <a:buClr>
+                <a:srgbClr val="000000"/>
+              </a:buClr>
               <a:buSzPts val="1400"/>
               <a:buFont typeface="Montserrat"/>
               <a:buChar char="❏"/>
             </a:pPr>
             <a:r>
-              <a:rPr lang="id">
+              <a:rPr b="0" i="0" lang="id" sz="1400" u="none" cap="none" strike="noStrike">
+                <a:solidFill>
+                  <a:srgbClr val="000000"/>
+                </a:solidFill>
                 <a:latin typeface="Montserrat"/>
                 <a:ea typeface="Montserrat"/>
                 <a:cs typeface="Montserrat"/>
@@ -16972,7 +17113,10 @@
               </a:rPr>
               <a:t>Homogeneous data</a:t>
             </a:r>
-            <a:endParaRPr>
+            <a:endParaRPr b="0" i="0" sz="1400" u="none" cap="none" strike="noStrike">
+              <a:solidFill>
+                <a:srgbClr val="000000"/>
+              </a:solidFill>
               <a:latin typeface="Montserrat"/>
               <a:ea typeface="Montserrat"/>
               <a:cs typeface="Montserrat"/>
@@ -16980,7 +17124,7 @@
             </a:endParaRPr>
           </a:p>
           <a:p>
-            <a:pPr indent="-317500" lvl="0" marL="914400" rtl="0" algn="l">
+            <a:pPr indent="-317500" lvl="0" marL="914400" marR="0" rtl="0" algn="l">
               <a:lnSpc>
                 <a:spcPct val="115000"/>
               </a:lnSpc>
@@ -16990,12 +17134,18 @@
               <a:spcAft>
                 <a:spcPts val="0"/>
               </a:spcAft>
+              <a:buClr>
+                <a:srgbClr val="000000"/>
+              </a:buClr>
               <a:buSzPts val="1400"/>
               <a:buFont typeface="Montserrat"/>
               <a:buChar char="❏"/>
             </a:pPr>
             <a:r>
-              <a:rPr lang="id">
+              <a:rPr b="0" i="0" lang="id" sz="1400" u="none" cap="none" strike="noStrike">
+                <a:solidFill>
+                  <a:srgbClr val="000000"/>
+                </a:solidFill>
                 <a:latin typeface="Montserrat"/>
                 <a:ea typeface="Montserrat"/>
                 <a:cs typeface="Montserrat"/>
@@ -17003,7 +17153,10 @@
               </a:rPr>
               <a:t>Size Immutable</a:t>
             </a:r>
-            <a:endParaRPr>
+            <a:endParaRPr b="0" i="0" sz="1400" u="none" cap="none" strike="noStrike">
+              <a:solidFill>
+                <a:srgbClr val="000000"/>
+              </a:solidFill>
               <a:latin typeface="Montserrat"/>
               <a:ea typeface="Montserrat"/>
               <a:cs typeface="Montserrat"/>
@@ -17011,7 +17164,7 @@
             </a:endParaRPr>
           </a:p>
           <a:p>
-            <a:pPr indent="-317500" lvl="0" marL="914400" rtl="0" algn="l">
+            <a:pPr indent="-317500" lvl="0" marL="914400" marR="0" rtl="0" algn="l">
               <a:lnSpc>
                 <a:spcPct val="115000"/>
               </a:lnSpc>
@@ -17021,12 +17174,18 @@
               <a:spcAft>
                 <a:spcPts val="0"/>
               </a:spcAft>
+              <a:buClr>
+                <a:srgbClr val="000000"/>
+              </a:buClr>
               <a:buSzPts val="1400"/>
               <a:buFont typeface="Montserrat"/>
               <a:buChar char="❏"/>
             </a:pPr>
             <a:r>
-              <a:rPr lang="id">
+              <a:rPr b="0" i="0" lang="id" sz="1400" u="none" cap="none" strike="noStrike">
+                <a:solidFill>
+                  <a:srgbClr val="000000"/>
+                </a:solidFill>
                 <a:latin typeface="Montserrat"/>
                 <a:ea typeface="Montserrat"/>
                 <a:cs typeface="Montserrat"/>
@@ -17034,7 +17193,10 @@
               </a:rPr>
               <a:t>Values of Data Mutable</a:t>
             </a:r>
-            <a:endParaRPr>
+            <a:endParaRPr b="0" i="0" sz="1400" u="none" cap="none" strike="noStrike">
+              <a:solidFill>
+                <a:srgbClr val="000000"/>
+              </a:solidFill>
               <a:latin typeface="Montserrat"/>
               <a:ea typeface="Montserrat"/>
               <a:cs typeface="Montserrat"/>
@@ -17042,7 +17204,7 @@
             </a:endParaRPr>
           </a:p>
           <a:p>
-            <a:pPr indent="0" lvl="0" marL="457200" rtl="0" algn="l">
+            <a:pPr indent="0" lvl="0" marL="457200" marR="0" rtl="0" algn="l">
               <a:lnSpc>
                 <a:spcPct val="90000"/>
               </a:lnSpc>
@@ -17052,12 +17214,20 @@
               <a:spcAft>
                 <a:spcPts val="0"/>
               </a:spcAft>
+              <a:buClr>
+                <a:srgbClr val="000000"/>
+              </a:buClr>
+              <a:buSzPts val="1400"/>
+              <a:buFont typeface="Arial"/>
               <a:buNone/>
             </a:pPr>
             <a:r>
               <a:t/>
             </a:r>
-            <a:endParaRPr>
+            <a:endParaRPr b="0" i="0" sz="1400" u="none" cap="none" strike="noStrike">
+              <a:solidFill>
+                <a:srgbClr val="000000"/>
+              </a:solidFill>
               <a:highlight>
                 <a:srgbClr val="FFFFFF"/>
               </a:highlight>
@@ -17068,7 +17238,7 @@
             </a:endParaRPr>
           </a:p>
           <a:p>
-            <a:pPr indent="0" lvl="0" marL="0" rtl="0" algn="l">
+            <a:pPr indent="0" lvl="0" marL="0" marR="0" rtl="0" algn="l">
               <a:lnSpc>
                 <a:spcPct val="115000"/>
               </a:lnSpc>
@@ -17078,12 +17248,20 @@
               <a:spcAft>
                 <a:spcPts val="1600"/>
               </a:spcAft>
+              <a:buClr>
+                <a:srgbClr val="000000"/>
+              </a:buClr>
+              <a:buSzPts val="1400"/>
+              <a:buFont typeface="Arial"/>
               <a:buNone/>
             </a:pPr>
             <a:r>
               <a:t/>
             </a:r>
-            <a:endParaRPr>
+            <a:endParaRPr b="0" i="0" sz="1400" u="none" cap="none" strike="noStrike">
+              <a:solidFill>
+                <a:srgbClr val="000000"/>
+              </a:solidFill>
               <a:latin typeface="Montserrat"/>
               <a:ea typeface="Montserrat"/>
               <a:cs typeface="Montserrat"/>
@@ -17135,10 +17313,14 @@
               <a:buNone/>
             </a:pPr>
             <a:r>
-              <a:rPr b="1" lang="id" sz="2400">
+              <a:rPr b="1" i="0" lang="id" sz="2400" u="none" cap="none" strike="noStrike">
                 <a:solidFill>
                   <a:srgbClr val="00B4CE"/>
                 </a:solidFill>
+                <a:latin typeface="Arial"/>
+                <a:ea typeface="Arial"/>
+                <a:cs typeface="Arial"/>
+                <a:sym typeface="Arial"/>
               </a:rPr>
               <a:t>Essential Concept</a:t>
             </a:r>
@@ -17275,7 +17457,7 @@
           <a:effectLst>
             <a:outerShdw blurRad="57150" rotWithShape="0" algn="bl" dir="5400000" dist="19050">
               <a:srgbClr val="000000">
-                <a:alpha val="48240"/>
+                <a:alpha val="48235"/>
               </a:srgbClr>
             </a:outerShdw>
           </a:effectLst>
@@ -17313,15 +17495,7 @@
                 <a:cs typeface="Arial"/>
                 <a:sym typeface="Arial"/>
               </a:rPr>
-              <a:t>Page 0</a:t>
-            </a:r>
-            <a:r>
-              <a:rPr b="1" lang="id" sz="1200">
-                <a:solidFill>
-                  <a:schemeClr val="lt1"/>
-                </a:solidFill>
-              </a:rPr>
-              <a:t>4</a:t>
+              <a:t>Page 04</a:t>
             </a:r>
             <a:endParaRPr b="1" i="0" sz="1200" u="none" cap="none" strike="noStrike">
               <a:solidFill>
@@ -17413,7 +17587,7 @@
           </a:bodyPr>
           <a:lstStyle/>
           <a:p>
-            <a:pPr indent="-317500" lvl="0" marL="457200" rtl="0" algn="l">
+            <a:pPr indent="-317500" lvl="0" marL="457200" marR="0" rtl="0" algn="l">
               <a:lnSpc>
                 <a:spcPct val="150000"/>
               </a:lnSpc>
@@ -17431,7 +17605,10 @@
               <a:buChar char="❖"/>
             </a:pPr>
             <a:r>
-              <a:rPr b="1" lang="id">
+              <a:rPr b="1" i="0" lang="id" sz="1400" u="none" cap="none" strike="noStrike">
+                <a:solidFill>
+                  <a:srgbClr val="000000"/>
+                </a:solidFill>
                 <a:latin typeface="Montserrat"/>
                 <a:ea typeface="Montserrat"/>
                 <a:cs typeface="Montserrat"/>
@@ -17439,7 +17616,10 @@
               </a:rPr>
               <a:t>DataFrame</a:t>
             </a:r>
-            <a:endParaRPr b="1">
+            <a:endParaRPr b="1" i="0" sz="1400" u="none" cap="none" strike="noStrike">
+              <a:solidFill>
+                <a:srgbClr val="000000"/>
+              </a:solidFill>
               <a:latin typeface="Montserrat"/>
               <a:ea typeface="Montserrat"/>
               <a:cs typeface="Montserrat"/>
@@ -17447,7 +17627,7 @@
             </a:endParaRPr>
           </a:p>
           <a:p>
-            <a:pPr indent="0" lvl="0" marL="457200" rtl="0" algn="l">
+            <a:pPr indent="0" lvl="0" marL="457200" marR="0" rtl="0" algn="l">
               <a:lnSpc>
                 <a:spcPct val="150000"/>
               </a:lnSpc>
@@ -17457,10 +17637,18 @@
               <a:spcAft>
                 <a:spcPts val="0"/>
               </a:spcAft>
+              <a:buClr>
+                <a:srgbClr val="000000"/>
+              </a:buClr>
+              <a:buSzPts val="1400"/>
+              <a:buFont typeface="Arial"/>
               <a:buNone/>
             </a:pPr>
             <a:r>
-              <a:rPr lang="id">
+              <a:rPr b="0" i="0" lang="id" sz="1400" u="none" cap="none" strike="noStrike">
+                <a:solidFill>
+                  <a:srgbClr val="000000"/>
+                </a:solidFill>
                 <a:highlight>
                   <a:srgbClr val="FFFFFF"/>
                 </a:highlight>
@@ -17471,7 +17659,10 @@
               </a:rPr>
               <a:t>DataFrame is a two-dimensional array with heterogeneous data.</a:t>
             </a:r>
-            <a:endParaRPr>
+            <a:endParaRPr b="0" i="0" sz="1400" u="none" cap="none" strike="noStrike">
+              <a:solidFill>
+                <a:srgbClr val="000000"/>
+              </a:solidFill>
               <a:highlight>
                 <a:srgbClr val="FFFFFF"/>
               </a:highlight>
@@ -17482,7 +17673,7 @@
             </a:endParaRPr>
           </a:p>
           <a:p>
-            <a:pPr indent="-317500" lvl="0" marL="1371600" rtl="0" algn="l">
+            <a:pPr indent="-317500" lvl="0" marL="1371600" marR="0" rtl="0" algn="l">
               <a:lnSpc>
                 <a:spcPct val="150000"/>
               </a:lnSpc>
@@ -17492,12 +17683,18 @@
               <a:spcAft>
                 <a:spcPts val="0"/>
               </a:spcAft>
+              <a:buClr>
+                <a:srgbClr val="000000"/>
+              </a:buClr>
               <a:buSzPts val="1400"/>
               <a:buFont typeface="Montserrat"/>
               <a:buChar char="❏"/>
             </a:pPr>
             <a:r>
-              <a:rPr lang="id">
+              <a:rPr b="0" i="0" lang="id" sz="1400" u="none" cap="none" strike="noStrike">
+                <a:solidFill>
+                  <a:srgbClr val="000000"/>
+                </a:solidFill>
                 <a:latin typeface="Montserrat"/>
                 <a:ea typeface="Montserrat"/>
                 <a:cs typeface="Montserrat"/>
@@ -17505,7 +17702,10 @@
               </a:rPr>
               <a:t>Heterogeneous data</a:t>
             </a:r>
-            <a:endParaRPr>
+            <a:endParaRPr b="0" i="0" sz="1400" u="none" cap="none" strike="noStrike">
+              <a:solidFill>
+                <a:srgbClr val="000000"/>
+              </a:solidFill>
               <a:latin typeface="Montserrat"/>
               <a:ea typeface="Montserrat"/>
               <a:cs typeface="Montserrat"/>
@@ -17513,7 +17713,7 @@
             </a:endParaRPr>
           </a:p>
           <a:p>
-            <a:pPr indent="-317500" lvl="0" marL="1371600" rtl="0" algn="l">
+            <a:pPr indent="-317500" lvl="0" marL="1371600" marR="0" rtl="0" algn="l">
               <a:lnSpc>
                 <a:spcPct val="150000"/>
               </a:lnSpc>
@@ -17523,12 +17723,18 @@
               <a:spcAft>
                 <a:spcPts val="0"/>
               </a:spcAft>
+              <a:buClr>
+                <a:srgbClr val="000000"/>
+              </a:buClr>
               <a:buSzPts val="1400"/>
               <a:buFont typeface="Montserrat"/>
               <a:buChar char="❏"/>
             </a:pPr>
             <a:r>
-              <a:rPr lang="id">
+              <a:rPr b="0" i="0" lang="id" sz="1400" u="none" cap="none" strike="noStrike">
+                <a:solidFill>
+                  <a:srgbClr val="000000"/>
+                </a:solidFill>
                 <a:latin typeface="Montserrat"/>
                 <a:ea typeface="Montserrat"/>
                 <a:cs typeface="Montserrat"/>
@@ -17536,7 +17742,10 @@
               </a:rPr>
               <a:t>Size Mutable</a:t>
             </a:r>
-            <a:endParaRPr>
+            <a:endParaRPr b="0" i="0" sz="1400" u="none" cap="none" strike="noStrike">
+              <a:solidFill>
+                <a:srgbClr val="000000"/>
+              </a:solidFill>
               <a:latin typeface="Montserrat"/>
               <a:ea typeface="Montserrat"/>
               <a:cs typeface="Montserrat"/>
@@ -17544,7 +17753,7 @@
             </a:endParaRPr>
           </a:p>
           <a:p>
-            <a:pPr indent="-317500" lvl="0" marL="1371600" rtl="0" algn="l">
+            <a:pPr indent="-317500" lvl="0" marL="1371600" marR="0" rtl="0" algn="l">
               <a:lnSpc>
                 <a:spcPct val="150000"/>
               </a:lnSpc>
@@ -17554,12 +17763,18 @@
               <a:spcAft>
                 <a:spcPts val="0"/>
               </a:spcAft>
+              <a:buClr>
+                <a:srgbClr val="000000"/>
+              </a:buClr>
               <a:buSzPts val="1400"/>
               <a:buFont typeface="Montserrat"/>
               <a:buChar char="❏"/>
             </a:pPr>
             <a:r>
-              <a:rPr lang="id">
+              <a:rPr b="0" i="0" lang="id" sz="1400" u="none" cap="none" strike="noStrike">
+                <a:solidFill>
+                  <a:srgbClr val="000000"/>
+                </a:solidFill>
                 <a:latin typeface="Montserrat"/>
                 <a:ea typeface="Montserrat"/>
                 <a:cs typeface="Montserrat"/>
@@ -17567,7 +17782,10 @@
               </a:rPr>
               <a:t>Data Mutable</a:t>
             </a:r>
-            <a:endParaRPr>
+            <a:endParaRPr b="0" i="0" sz="1400" u="none" cap="none" strike="noStrike">
+              <a:solidFill>
+                <a:srgbClr val="000000"/>
+              </a:solidFill>
               <a:latin typeface="Montserrat"/>
               <a:ea typeface="Montserrat"/>
               <a:cs typeface="Montserrat"/>
@@ -17619,10 +17837,14 @@
               <a:buNone/>
             </a:pPr>
             <a:r>
-              <a:rPr b="1" lang="id" sz="2400">
+              <a:rPr b="1" i="0" lang="id" sz="2400" u="none" cap="none" strike="noStrike">
                 <a:solidFill>
                   <a:srgbClr val="00B4CE"/>
                 </a:solidFill>
+                <a:latin typeface="Arial"/>
+                <a:ea typeface="Arial"/>
+                <a:cs typeface="Arial"/>
+                <a:sym typeface="Arial"/>
               </a:rPr>
               <a:t>Essential Concept</a:t>
             </a:r>
@@ -17759,7 +17981,7 @@
           <a:effectLst>
             <a:outerShdw blurRad="57150" rotWithShape="0" algn="bl" dir="5400000" dist="19050">
               <a:srgbClr val="000000">
-                <a:alpha val="48240"/>
+                <a:alpha val="48235"/>
               </a:srgbClr>
             </a:outerShdw>
           </a:effectLst>
@@ -17797,15 +18019,7 @@
                 <a:cs typeface="Arial"/>
                 <a:sym typeface="Arial"/>
               </a:rPr>
-              <a:t>Page 0</a:t>
-            </a:r>
-            <a:r>
-              <a:rPr b="1" lang="id" sz="1200">
-                <a:solidFill>
-                  <a:schemeClr val="lt1"/>
-                </a:solidFill>
-              </a:rPr>
-              <a:t>5</a:t>
+              <a:t>Page 05</a:t>
             </a:r>
             <a:endParaRPr b="1" i="0" sz="1200" u="none" cap="none" strike="noStrike">
               <a:solidFill>
@@ -17897,7 +18111,7 @@
           </a:bodyPr>
           <a:lstStyle/>
           <a:p>
-            <a:pPr indent="-317500" lvl="0" marL="457200" rtl="0" algn="l">
+            <a:pPr indent="-317500" lvl="0" marL="457200" marR="0" rtl="0" algn="l">
               <a:lnSpc>
                 <a:spcPct val="150000"/>
               </a:lnSpc>
@@ -17907,12 +18121,18 @@
               <a:spcAft>
                 <a:spcPts val="0"/>
               </a:spcAft>
+              <a:buClr>
+                <a:srgbClr val="000000"/>
+              </a:buClr>
               <a:buSzPts val="1400"/>
               <a:buFont typeface="Montserrat"/>
               <a:buAutoNum type="arabicPeriod"/>
             </a:pPr>
             <a:r>
-              <a:rPr lang="id">
+              <a:rPr b="0" i="0" lang="id" sz="1400" u="none" cap="none" strike="noStrike">
+                <a:solidFill>
+                  <a:srgbClr val="000000"/>
+                </a:solidFill>
                 <a:highlight>
                   <a:srgbClr val="FFFFFF"/>
                 </a:highlight>
@@ -17923,7 +18143,10 @@
               </a:rPr>
               <a:t>Data loading</a:t>
             </a:r>
-            <a:endParaRPr>
+            <a:endParaRPr b="0" i="0" sz="1400" u="none" cap="none" strike="noStrike">
+              <a:solidFill>
+                <a:srgbClr val="000000"/>
+              </a:solidFill>
               <a:highlight>
                 <a:srgbClr val="FFFFFF"/>
               </a:highlight>
@@ -17934,7 +18157,7 @@
             </a:endParaRPr>
           </a:p>
           <a:p>
-            <a:pPr indent="-317500" lvl="0" marL="457200" rtl="0" algn="l">
+            <a:pPr indent="-317500" lvl="0" marL="457200" marR="0" rtl="0" algn="l">
               <a:lnSpc>
                 <a:spcPct val="150000"/>
               </a:lnSpc>
@@ -17944,12 +18167,18 @@
               <a:spcAft>
                 <a:spcPts val="0"/>
               </a:spcAft>
+              <a:buClr>
+                <a:srgbClr val="000000"/>
+              </a:buClr>
               <a:buSzPts val="1400"/>
               <a:buFont typeface="Montserrat"/>
               <a:buAutoNum type="arabicPeriod"/>
             </a:pPr>
             <a:r>
-              <a:rPr lang="id">
+              <a:rPr b="0" i="0" lang="id" sz="1400" u="none" cap="none" strike="noStrike">
+                <a:solidFill>
+                  <a:srgbClr val="000000"/>
+                </a:solidFill>
                 <a:highlight>
                   <a:srgbClr val="FFFFFF"/>
                 </a:highlight>
@@ -17960,7 +18189,10 @@
               </a:rPr>
               <a:t>Selecting/Indexing</a:t>
             </a:r>
-            <a:endParaRPr>
+            <a:endParaRPr b="0" i="0" sz="1400" u="none" cap="none" strike="noStrike">
+              <a:solidFill>
+                <a:srgbClr val="000000"/>
+              </a:solidFill>
               <a:highlight>
                 <a:srgbClr val="FFFFFF"/>
               </a:highlight>
@@ -17971,7 +18203,7 @@
             </a:endParaRPr>
           </a:p>
           <a:p>
-            <a:pPr indent="-317500" lvl="0" marL="457200" rtl="0" algn="l">
+            <a:pPr indent="-317500" lvl="0" marL="457200" marR="0" rtl="0" algn="l">
               <a:lnSpc>
                 <a:spcPct val="150000"/>
               </a:lnSpc>
@@ -17981,12 +18213,18 @@
               <a:spcAft>
                 <a:spcPts val="0"/>
               </a:spcAft>
+              <a:buClr>
+                <a:srgbClr val="000000"/>
+              </a:buClr>
               <a:buSzPts val="1400"/>
               <a:buFont typeface="Montserrat"/>
               <a:buAutoNum type="arabicPeriod"/>
             </a:pPr>
             <a:r>
-              <a:rPr lang="id">
+              <a:rPr b="0" i="0" lang="id" sz="1400" u="none" cap="none" strike="noStrike">
+                <a:solidFill>
+                  <a:srgbClr val="000000"/>
+                </a:solidFill>
                 <a:highlight>
                   <a:srgbClr val="FFFFFF"/>
                 </a:highlight>
@@ -17997,7 +18235,10 @@
               </a:rPr>
               <a:t>Filtering</a:t>
             </a:r>
-            <a:endParaRPr>
+            <a:endParaRPr b="0" i="0" sz="1400" u="none" cap="none" strike="noStrike">
+              <a:solidFill>
+                <a:srgbClr val="000000"/>
+              </a:solidFill>
               <a:highlight>
                 <a:srgbClr val="FFFFFF"/>
               </a:highlight>
@@ -18008,7 +18249,7 @@
             </a:endParaRPr>
           </a:p>
           <a:p>
-            <a:pPr indent="-317500" lvl="0" marL="457200" rtl="0" algn="l">
+            <a:pPr indent="-317500" lvl="0" marL="457200" marR="0" rtl="0" algn="l">
               <a:lnSpc>
                 <a:spcPct val="150000"/>
               </a:lnSpc>
@@ -18018,12 +18259,18 @@
               <a:spcAft>
                 <a:spcPts val="0"/>
               </a:spcAft>
+              <a:buClr>
+                <a:srgbClr val="000000"/>
+              </a:buClr>
               <a:buSzPts val="1400"/>
               <a:buFont typeface="Montserrat"/>
               <a:buAutoNum type="arabicPeriod"/>
             </a:pPr>
             <a:r>
-              <a:rPr lang="id">
+              <a:rPr b="0" i="0" lang="id" sz="1400" u="none" cap="none" strike="noStrike">
+                <a:solidFill>
+                  <a:srgbClr val="000000"/>
+                </a:solidFill>
                 <a:highlight>
                   <a:srgbClr val="FFFFFF"/>
                 </a:highlight>
@@ -18034,7 +18281,10 @@
               </a:rPr>
               <a:t>Sorting</a:t>
             </a:r>
-            <a:endParaRPr>
+            <a:endParaRPr b="0" i="0" sz="1400" u="none" cap="none" strike="noStrike">
+              <a:solidFill>
+                <a:srgbClr val="000000"/>
+              </a:solidFill>
               <a:highlight>
                 <a:srgbClr val="FFFFFF"/>
               </a:highlight>
@@ -18045,7 +18295,7 @@
             </a:endParaRPr>
           </a:p>
           <a:p>
-            <a:pPr indent="-317500" lvl="0" marL="457200" rtl="0" algn="l">
+            <a:pPr indent="-317500" lvl="0" marL="457200" marR="0" rtl="0" algn="l">
               <a:lnSpc>
                 <a:spcPct val="150000"/>
               </a:lnSpc>
@@ -18055,12 +18305,18 @@
               <a:spcAft>
                 <a:spcPts val="0"/>
               </a:spcAft>
+              <a:buClr>
+                <a:srgbClr val="000000"/>
+              </a:buClr>
               <a:buSzPts val="1400"/>
               <a:buFont typeface="Montserrat"/>
               <a:buAutoNum type="arabicPeriod"/>
             </a:pPr>
             <a:r>
-              <a:rPr lang="id">
+              <a:rPr b="0" i="0" lang="id" sz="1400" u="none" cap="none" strike="noStrike">
+                <a:solidFill>
+                  <a:srgbClr val="000000"/>
+                </a:solidFill>
                 <a:highlight>
                   <a:srgbClr val="FFFFFF"/>
                 </a:highlight>
@@ -18071,7 +18327,10 @@
               </a:rPr>
               <a:t>Mutating/conditionally adding columns</a:t>
             </a:r>
-            <a:endParaRPr>
+            <a:endParaRPr b="0" i="0" sz="1400" u="none" cap="none" strike="noStrike">
+              <a:solidFill>
+                <a:srgbClr val="000000"/>
+              </a:solidFill>
               <a:highlight>
                 <a:srgbClr val="FFFFFF"/>
               </a:highlight>
@@ -18082,7 +18341,7 @@
             </a:endParaRPr>
           </a:p>
           <a:p>
-            <a:pPr indent="-317500" lvl="0" marL="457200" rtl="0" algn="l">
+            <a:pPr indent="-317500" lvl="0" marL="457200" marR="0" rtl="0" algn="l">
               <a:lnSpc>
                 <a:spcPct val="150000"/>
               </a:lnSpc>
@@ -18092,12 +18351,18 @@
               <a:spcAft>
                 <a:spcPts val="0"/>
               </a:spcAft>
+              <a:buClr>
+                <a:srgbClr val="000000"/>
+              </a:buClr>
               <a:buSzPts val="1400"/>
               <a:buFont typeface="Montserrat"/>
               <a:buAutoNum type="arabicPeriod"/>
             </a:pPr>
             <a:r>
-              <a:rPr lang="id">
+              <a:rPr b="0" i="0" lang="id" sz="1400" u="none" cap="none" strike="noStrike">
+                <a:solidFill>
+                  <a:srgbClr val="000000"/>
+                </a:solidFill>
                 <a:highlight>
                   <a:srgbClr val="FFFFFF"/>
                 </a:highlight>
@@ -18108,7 +18373,10 @@
               </a:rPr>
               <a:t>Groupby/summarize</a:t>
             </a:r>
-            <a:endParaRPr>
+            <a:endParaRPr b="0" i="0" sz="1400" u="none" cap="none" strike="noStrike">
+              <a:solidFill>
+                <a:srgbClr val="000000"/>
+              </a:solidFill>
               <a:highlight>
                 <a:srgbClr val="FFFFFF"/>
               </a:highlight>
@@ -18163,10 +18431,14 @@
               <a:buNone/>
             </a:pPr>
             <a:r>
-              <a:rPr b="1" lang="id" sz="2400">
+              <a:rPr b="1" i="0" lang="id" sz="2400" u="none" cap="none" strike="noStrike">
                 <a:solidFill>
                   <a:srgbClr val="00B4CE"/>
                 </a:solidFill>
+                <a:latin typeface="Arial"/>
+                <a:ea typeface="Arial"/>
+                <a:cs typeface="Arial"/>
+                <a:sym typeface="Arial"/>
               </a:rPr>
               <a:t>What We Will Learn?</a:t>
             </a:r>
@@ -18427,15 +18699,7 @@
                 <a:cs typeface="Arial"/>
                 <a:sym typeface="Arial"/>
               </a:rPr>
-              <a:t>Page</a:t>
-            </a:r>
-            <a:r>
-              <a:rPr lang="id" sz="1200">
-                <a:solidFill>
-                  <a:srgbClr val="00B4CE"/>
-                </a:solidFill>
-              </a:rPr>
-              <a:t> 06</a:t>
+              <a:t>Page 06</a:t>
             </a:r>
             <a:endParaRPr b="0" i="0" sz="1200" u="none" cap="none" strike="noStrike">
               <a:solidFill>
@@ -18570,7 +18834,7 @@
           <a:effectLst>
             <a:outerShdw blurRad="57150" rotWithShape="0" algn="bl" dir="5400000" dist="19050">
               <a:srgbClr val="000000">
-                <a:alpha val="48240"/>
+                <a:alpha val="48235"/>
               </a:srgbClr>
             </a:outerShdw>
           </a:effectLst>
@@ -18608,15 +18872,7 @@
                 <a:cs typeface="Arial"/>
                 <a:sym typeface="Arial"/>
               </a:rPr>
-              <a:t>Page </a:t>
-            </a:r>
-            <a:r>
-              <a:rPr b="1" lang="id" sz="1200">
-                <a:solidFill>
-                  <a:schemeClr val="lt1"/>
-                </a:solidFill>
-              </a:rPr>
-              <a:t>07</a:t>
+              <a:t>Page 07</a:t>
             </a:r>
             <a:endParaRPr b="1" i="0" sz="1200" u="none" cap="none" strike="noStrike">
               <a:solidFill>
@@ -18708,7 +18964,7 @@
           </a:bodyPr>
           <a:lstStyle/>
           <a:p>
-            <a:pPr indent="0" lvl="0" marL="0" rtl="0" algn="l">
+            <a:pPr indent="0" lvl="0" marL="0" marR="0" rtl="0" algn="l">
               <a:lnSpc>
                 <a:spcPct val="150000"/>
               </a:lnSpc>
@@ -18718,10 +18974,15 @@
               <a:spcAft>
                 <a:spcPts val="0"/>
               </a:spcAft>
+              <a:buClr>
+                <a:srgbClr val="000000"/>
+              </a:buClr>
+              <a:buSzPts val="1400"/>
+              <a:buFont typeface="Arial"/>
               <a:buNone/>
             </a:pPr>
             <a:r>
-              <a:rPr lang="id">
+              <a:rPr b="0" i="0" lang="id" sz="1400" u="none" cap="none" strike="noStrike">
                 <a:solidFill>
                   <a:schemeClr val="dk1"/>
                 </a:solidFill>
@@ -18735,7 +18996,7 @@
               </a:rPr>
               <a:t>What is a correct syntax to create a Pandas Series from a Python list?</a:t>
             </a:r>
-            <a:endParaRPr>
+            <a:endParaRPr b="0" i="0" sz="1400" u="none" cap="none" strike="noStrike">
               <a:solidFill>
                 <a:schemeClr val="dk1"/>
               </a:solidFill>
@@ -18749,7 +19010,7 @@
             </a:endParaRPr>
           </a:p>
           <a:p>
-            <a:pPr indent="0" lvl="0" marL="0" rtl="0" algn="l">
+            <a:pPr indent="0" lvl="0" marL="0" marR="0" rtl="0" algn="l">
               <a:lnSpc>
                 <a:spcPct val="150000"/>
               </a:lnSpc>
@@ -18759,12 +19020,17 @@
               <a:spcAft>
                 <a:spcPts val="0"/>
               </a:spcAft>
+              <a:buClr>
+                <a:srgbClr val="000000"/>
+              </a:buClr>
+              <a:buSzPts val="1400"/>
+              <a:buFont typeface="Arial"/>
               <a:buNone/>
             </a:pPr>
             <a:r>
               <a:t/>
             </a:r>
-            <a:endParaRPr>
+            <a:endParaRPr b="0" i="0" sz="1400" u="none" cap="none" strike="noStrike">
               <a:solidFill>
                 <a:schemeClr val="dk1"/>
               </a:solidFill>
@@ -18778,7 +19044,7 @@
             </a:endParaRPr>
           </a:p>
           <a:p>
-            <a:pPr indent="-317500" lvl="0" marL="457200" rtl="0" algn="l">
+            <a:pPr indent="-317500" lvl="0" marL="457200" marR="0" rtl="0" algn="l">
               <a:lnSpc>
                 <a:spcPct val="150000"/>
               </a:lnSpc>
@@ -18796,7 +19062,7 @@
               <a:buAutoNum type="alphaLcPeriod"/>
             </a:pPr>
             <a:r>
-              <a:rPr lang="id">
+              <a:rPr b="0" i="0" lang="id" sz="1400" u="none" cap="none" strike="noStrike">
                 <a:solidFill>
                   <a:schemeClr val="dk1"/>
                 </a:solidFill>
@@ -18810,7 +19076,7 @@
               </a:rPr>
               <a:t>pd.getSeries(myseries)</a:t>
             </a:r>
-            <a:endParaRPr>
+            <a:endParaRPr b="0" i="0" sz="1400" u="none" cap="none" strike="noStrike">
               <a:solidFill>
                 <a:schemeClr val="dk1"/>
               </a:solidFill>
@@ -18824,7 +19090,7 @@
             </a:endParaRPr>
           </a:p>
           <a:p>
-            <a:pPr indent="-317500" lvl="0" marL="457200" rtl="0" algn="l">
+            <a:pPr indent="-317500" lvl="0" marL="457200" marR="0" rtl="0" algn="l">
               <a:lnSpc>
                 <a:spcPct val="150000"/>
               </a:lnSpc>
@@ -18842,7 +19108,7 @@
               <a:buAutoNum type="alphaLcPeriod"/>
             </a:pPr>
             <a:r>
-              <a:rPr lang="id">
+              <a:rPr b="0" i="0" lang="id" sz="1400" u="none" cap="none" strike="noStrike">
                 <a:solidFill>
                   <a:schemeClr val="dk1"/>
                 </a:solidFill>
@@ -18856,7 +19122,7 @@
               </a:rPr>
               <a:t>pd.series(myseries)</a:t>
             </a:r>
-            <a:endParaRPr>
+            <a:endParaRPr b="0" i="0" sz="1400" u="none" cap="none" strike="noStrike">
               <a:solidFill>
                 <a:schemeClr val="dk1"/>
               </a:solidFill>
@@ -18870,7 +19136,7 @@
             </a:endParaRPr>
           </a:p>
           <a:p>
-            <a:pPr indent="-317500" lvl="0" marL="457200" rtl="0" algn="l">
+            <a:pPr indent="-317500" lvl="0" marL="457200" marR="0" rtl="0" algn="l">
               <a:lnSpc>
                 <a:spcPct val="150000"/>
               </a:lnSpc>
@@ -18888,7 +19154,7 @@
               <a:buAutoNum type="alphaLcPeriod"/>
             </a:pPr>
             <a:r>
-              <a:rPr lang="id">
+              <a:rPr b="0" i="0" lang="id" sz="1400" u="none" cap="none" strike="noStrike">
                 <a:solidFill>
                   <a:schemeClr val="dk1"/>
                 </a:solidFill>
@@ -18902,7 +19168,7 @@
               </a:rPr>
               <a:t>pd.createSeries(myseries)</a:t>
             </a:r>
-            <a:endParaRPr>
+            <a:endParaRPr b="0" i="0" sz="1400" u="none" cap="none" strike="noStrike">
               <a:solidFill>
                 <a:schemeClr val="dk1"/>
               </a:solidFill>
@@ -18960,10 +19226,14 @@
               <a:buNone/>
             </a:pPr>
             <a:r>
-              <a:rPr b="1" lang="id" sz="2400">
+              <a:rPr b="1" i="0" lang="id" sz="2400" u="none" cap="none" strike="noStrike">
                 <a:solidFill>
                   <a:srgbClr val="00B4CE"/>
                 </a:solidFill>
+                <a:latin typeface="Arial"/>
+                <a:ea typeface="Arial"/>
+                <a:cs typeface="Arial"/>
+                <a:sym typeface="Arial"/>
               </a:rPr>
               <a:t>Quiz</a:t>
             </a:r>
@@ -19100,7 +19370,7 @@
           <a:effectLst>
             <a:outerShdw blurRad="57150" rotWithShape="0" algn="bl" dir="5400000" dist="19050">
               <a:srgbClr val="000000">
-                <a:alpha val="48240"/>
+                <a:alpha val="48235"/>
               </a:srgbClr>
             </a:outerShdw>
           </a:effectLst>
@@ -19138,15 +19408,7 @@
                 <a:cs typeface="Arial"/>
                 <a:sym typeface="Arial"/>
               </a:rPr>
-              <a:t>Page </a:t>
-            </a:r>
-            <a:r>
-              <a:rPr b="1" lang="id" sz="1200">
-                <a:solidFill>
-                  <a:schemeClr val="lt1"/>
-                </a:solidFill>
-              </a:rPr>
-              <a:t>08</a:t>
+              <a:t>Page 08</a:t>
             </a:r>
             <a:endParaRPr b="1" i="0" sz="1200" u="none" cap="none" strike="noStrike">
               <a:solidFill>
@@ -19219,13 +19481,12 @@
           <p:cNvPicPr preferRelativeResize="0"/>
           <p:nvPr/>
         </p:nvPicPr>
-        <p:blipFill>
+        <p:blipFill rotWithShape="1">
           <a:blip r:embed="rId4">
             <a:alphaModFix/>
           </a:blip>
-          <a:stretch>
-            <a:fillRect/>
-          </a:stretch>
+          <a:srcRect b="0" l="0" r="0" t="0"/>
+          <a:stretch/>
         </p:blipFill>
         <p:spPr>
           <a:xfrm>
@@ -19247,13 +19508,12 @@
           <p:cNvPicPr preferRelativeResize="0"/>
           <p:nvPr/>
         </p:nvPicPr>
-        <p:blipFill>
+        <p:blipFill rotWithShape="1">
           <a:blip r:embed="rId5">
             <a:alphaModFix/>
           </a:blip>
-          <a:stretch>
-            <a:fillRect/>
-          </a:stretch>
+          <a:srcRect b="0" l="0" r="0" t="0"/>
+          <a:stretch/>
         </p:blipFill>
         <p:spPr>
           <a:xfrm>
@@ -19294,36 +19554,84 @@
           </a:bodyPr>
           <a:lstStyle/>
           <a:p>
-            <a:pPr indent="0" lvl="0" marL="0" rtl="0" algn="ctr">
-              <a:spcBef>
-                <a:spcPts val="0"/>
-              </a:spcBef>
-              <a:spcAft>
-                <a:spcPts val="0"/>
-              </a:spcAft>
+            <a:pPr indent="0" lvl="0" marL="0" marR="0" rtl="0" algn="ctr">
+              <a:lnSpc>
+                <a:spcPct val="100000"/>
+              </a:lnSpc>
+              <a:spcBef>
+                <a:spcPts val="0"/>
+              </a:spcBef>
+              <a:spcAft>
+                <a:spcPts val="0"/>
+              </a:spcAft>
+              <a:buClr>
+                <a:srgbClr val="000000"/>
+              </a:buClr>
+              <a:buSzPts val="1100"/>
+              <a:buFont typeface="Arial"/>
               <a:buNone/>
             </a:pPr>
             <a:r>
-              <a:rPr lang="id" sz="1100"/>
+              <a:rPr b="0" i="0" lang="id" sz="1100" u="none" cap="none" strike="noStrike">
+                <a:solidFill>
+                  <a:srgbClr val="000000"/>
+                </a:solidFill>
+                <a:latin typeface="Arial"/>
+                <a:ea typeface="Arial"/>
+                <a:cs typeface="Arial"/>
+                <a:sym typeface="Arial"/>
+              </a:rPr>
               <a:t>Python for Data Analysis</a:t>
             </a:r>
-            <a:endParaRPr sz="1100"/>
+            <a:endParaRPr b="0" i="0" sz="1100" u="none" cap="none" strike="noStrike">
+              <a:solidFill>
+                <a:srgbClr val="000000"/>
+              </a:solidFill>
+              <a:latin typeface="Arial"/>
+              <a:ea typeface="Arial"/>
+              <a:cs typeface="Arial"/>
+              <a:sym typeface="Arial"/>
+            </a:endParaRPr>
           </a:p>
           <a:p>
-            <a:pPr indent="0" lvl="0" marL="0" rtl="0" algn="ctr">
-              <a:spcBef>
-                <a:spcPts val="0"/>
-              </a:spcBef>
-              <a:spcAft>
-                <a:spcPts val="0"/>
-              </a:spcAft>
+            <a:pPr indent="0" lvl="0" marL="0" marR="0" rtl="0" algn="ctr">
+              <a:lnSpc>
+                <a:spcPct val="100000"/>
+              </a:lnSpc>
+              <a:spcBef>
+                <a:spcPts val="0"/>
+              </a:spcBef>
+              <a:spcAft>
+                <a:spcPts val="0"/>
+              </a:spcAft>
+              <a:buClr>
+                <a:srgbClr val="000000"/>
+              </a:buClr>
+              <a:buSzPts val="1100"/>
+              <a:buFont typeface="Arial"/>
               <a:buNone/>
             </a:pPr>
             <a:r>
-              <a:rPr lang="id" sz="1100"/>
+              <a:rPr b="0" i="0" lang="id" sz="1100" u="none" cap="none" strike="noStrike">
+                <a:solidFill>
+                  <a:srgbClr val="000000"/>
+                </a:solidFill>
+                <a:latin typeface="Arial"/>
+                <a:ea typeface="Arial"/>
+                <a:cs typeface="Arial"/>
+                <a:sym typeface="Arial"/>
+              </a:rPr>
               <a:t>(Wes McKinney)</a:t>
             </a:r>
-            <a:endParaRPr sz="1100"/>
+            <a:endParaRPr b="0" i="0" sz="1100" u="none" cap="none" strike="noStrike">
+              <a:solidFill>
+                <a:srgbClr val="000000"/>
+              </a:solidFill>
+              <a:latin typeface="Arial"/>
+              <a:ea typeface="Arial"/>
+              <a:cs typeface="Arial"/>
+              <a:sym typeface="Arial"/>
+            </a:endParaRPr>
           </a:p>
         </p:txBody>
       </p:sp>
@@ -19370,10 +19678,14 @@
               <a:buNone/>
             </a:pPr>
             <a:r>
-              <a:rPr b="1" lang="id" sz="2400">
+              <a:rPr b="1" i="0" lang="id" sz="2400" u="none" cap="none" strike="noStrike">
                 <a:solidFill>
                   <a:srgbClr val="00B4CE"/>
                 </a:solidFill>
+                <a:latin typeface="Arial"/>
+                <a:ea typeface="Arial"/>
+                <a:cs typeface="Arial"/>
+                <a:sym typeface="Arial"/>
               </a:rPr>
               <a:t>Resources</a:t>
             </a:r>
@@ -19398,6 +19710,285 @@
 </file>
 
 <file path=ppt/theme/theme1.xml><?xml version="1.0" encoding="utf-8"?>
+<a:theme xmlns:a="http://schemas.openxmlformats.org/drawingml/2006/main" xmlns:r="http://schemas.openxmlformats.org/officeDocument/2006/relationships">
+  <a:themeElements>
+    <a:clrScheme name="Default">
+      <a:dk1>
+        <a:srgbClr val="000000"/>
+      </a:dk1>
+      <a:lt1>
+        <a:srgbClr val="FFFFFF"/>
+      </a:lt1>
+      <a:dk2>
+        <a:srgbClr val="158158"/>
+      </a:dk2>
+      <a:lt2>
+        <a:srgbClr val="F3F3F3"/>
+      </a:lt2>
+      <a:accent1>
+        <a:srgbClr val="058DC7"/>
+      </a:accent1>
+      <a:accent2>
+        <a:srgbClr val="50B432"/>
+      </a:accent2>
+      <a:accent3>
+        <a:srgbClr val="ED561B"/>
+      </a:accent3>
+      <a:accent4>
+        <a:srgbClr val="EDEF00"/>
+      </a:accent4>
+      <a:accent5>
+        <a:srgbClr val="24CBE5"/>
+      </a:accent5>
+      <a:accent6>
+        <a:srgbClr val="64E572"/>
+      </a:accent6>
+      <a:hlink>
+        <a:srgbClr val="2200CC"/>
+      </a:hlink>
+      <a:folHlink>
+        <a:srgbClr val="551A8B"/>
+      </a:folHlink>
+    </a:clrScheme>
+    <a:fontScheme name="Office">
+      <a:majorFont>
+        <a:latin typeface="Arial"/>
+        <a:ea typeface=""/>
+        <a:cs typeface=""/>
+        <a:font script="Jpan" typeface="ＭＳ Ｐゴシック"/>
+        <a:font script="Hang" typeface="맑은 고딕"/>
+        <a:font script="Hans" typeface="宋体"/>
+        <a:font script="Hant" typeface="新細明體"/>
+        <a:font script="Arab" typeface="Times New Roman"/>
+        <a:font script="Hebr" typeface="Times New Roman"/>
+        <a:font script="Thai" typeface="Angsana New"/>
+        <a:font script="Ethi" typeface="Nyala"/>
+        <a:font script="Beng" typeface="Vrinda"/>
+        <a:font script="Gujr" typeface="Shruti"/>
+        <a:font script="Khmr" typeface="MoolBoran"/>
+        <a:font script="Knda" typeface="Tunga"/>
+        <a:font script="Guru" typeface="Raavi"/>
+        <a:font script="Cans" typeface="Euphemia"/>
+        <a:font script="Cher" typeface="Plantagenet Cherokee"/>
+        <a:font script="Yiii" typeface="Microsoft Yi Baiti"/>
+        <a:font script="Tibt" typeface="Microsoft Himalaya"/>
+        <a:font script="Thaa" typeface="MV Boli"/>
+        <a:font script="Deva" typeface="Mangal"/>
+        <a:font script="Telu" typeface="Gautami"/>
+        <a:font script="Taml" typeface="Latha"/>
+        <a:font script="Syrc" typeface="Estrangelo Edessa"/>
+        <a:font script="Orya" typeface="Kalinga"/>
+        <a:font script="Mlym" typeface="Kartika"/>
+        <a:font script="Laoo" typeface="DokChampa"/>
+        <a:font script="Sinh" typeface="Iskoola Pota"/>
+        <a:font script="Mong" typeface="Mongolian Baiti"/>
+        <a:font script="Viet" typeface="Times New Roman"/>
+        <a:font script="Uigh" typeface="Microsoft Uighur"/>
+        <a:font script="Geor" typeface="Sylfaen"/>
+      </a:majorFont>
+      <a:minorFont>
+        <a:latin typeface="Arial"/>
+        <a:ea typeface=""/>
+        <a:cs typeface=""/>
+        <a:font script="Jpan" typeface="ＭＳ Ｐゴシック"/>
+        <a:font script="Hang" typeface="맑은 고딕"/>
+        <a:font script="Hans" typeface="宋体"/>
+        <a:font script="Hant" typeface="新細明體"/>
+        <a:font script="Arab" typeface="Arial"/>
+        <a:font script="Hebr" typeface="Arial"/>
+        <a:font script="Thai" typeface="Cordia New"/>
+        <a:font script="Ethi" typeface="Nyala"/>
+        <a:font script="Beng" typeface="Vrinda"/>
+        <a:font script="Gujr" typeface="Shruti"/>
+        <a:font script="Khmr" typeface="DaunPenh"/>
+        <a:font script="Knda" typeface="Tunga"/>
+        <a:font script="Guru" typeface="Raavi"/>
+        <a:font script="Cans" typeface="Euphemia"/>
+        <a:font script="Cher" typeface="Plantagenet Cherokee"/>
+        <a:font script="Yiii" typeface="Microsoft Yi Baiti"/>
+        <a:font script="Tibt" typeface="Microsoft Himalaya"/>
+        <a:font script="Thaa" typeface="MV Boli"/>
+        <a:font script="Deva" typeface="Mangal"/>
+        <a:font script="Telu" typeface="Gautami"/>
+        <a:font script="Taml" typeface="Latha"/>
+        <a:font script="Syrc" typeface="Estrangelo Edessa"/>
+        <a:font script="Orya" typeface="Kalinga"/>
+        <a:font script="Mlym" typeface="Kartika"/>
+        <a:font script="Laoo" typeface="DokChampa"/>
+        <a:font script="Sinh" typeface="Iskoola Pota"/>
+        <a:font script="Mong" typeface="Mongolian Baiti"/>
+        <a:font script="Viet" typeface="Arial"/>
+        <a:font script="Uigh" typeface="Microsoft Uighur"/>
+        <a:font script="Geor" typeface="Sylfaen"/>
+      </a:minorFont>
+    </a:fontScheme>
+    <a:fmtScheme name="Office">
+      <a:fillStyleLst>
+        <a:solidFill>
+          <a:schemeClr val="phClr"/>
+        </a:solidFill>
+        <a:gradFill rotWithShape="1">
+          <a:gsLst>
+            <a:gs pos="0">
+              <a:schemeClr val="phClr">
+                <a:tint val="50000"/>
+                <a:satMod val="300000"/>
+              </a:schemeClr>
+            </a:gs>
+            <a:gs pos="35000">
+              <a:schemeClr val="phClr">
+                <a:tint val="37000"/>
+                <a:satMod val="300000"/>
+              </a:schemeClr>
+            </a:gs>
+            <a:gs pos="100000">
+              <a:schemeClr val="phClr">
+                <a:tint val="15000"/>
+                <a:satMod val="350000"/>
+              </a:schemeClr>
+            </a:gs>
+          </a:gsLst>
+          <a:lin ang="16200000" scaled="1"/>
+        </a:gradFill>
+        <a:gradFill rotWithShape="1">
+          <a:gsLst>
+            <a:gs pos="0">
+              <a:schemeClr val="phClr">
+                <a:tint val="100000"/>
+                <a:shade val="100000"/>
+                <a:satMod val="130000"/>
+              </a:schemeClr>
+            </a:gs>
+            <a:gs pos="100000">
+              <a:schemeClr val="phClr">
+                <a:tint val="50000"/>
+                <a:shade val="100000"/>
+                <a:satMod val="350000"/>
+              </a:schemeClr>
+            </a:gs>
+          </a:gsLst>
+          <a:lin ang="16200000" scaled="0"/>
+        </a:gradFill>
+      </a:fillStyleLst>
+      <a:lnStyleLst>
+        <a:ln w="9525" cap="flat" cmpd="sng" algn="ctr">
+          <a:solidFill>
+            <a:schemeClr val="phClr">
+              <a:shade val="95000"/>
+              <a:satMod val="105000"/>
+            </a:schemeClr>
+          </a:solidFill>
+          <a:prstDash val="solid"/>
+        </a:ln>
+        <a:ln w="25400" cap="flat" cmpd="sng" algn="ctr">
+          <a:solidFill>
+            <a:schemeClr val="phClr"/>
+          </a:solidFill>
+          <a:prstDash val="solid"/>
+        </a:ln>
+        <a:ln w="38100" cap="flat" cmpd="sng" algn="ctr">
+          <a:solidFill>
+            <a:schemeClr val="phClr"/>
+          </a:solidFill>
+          <a:prstDash val="solid"/>
+        </a:ln>
+      </a:lnStyleLst>
+      <a:effectStyleLst>
+        <a:effectStyle>
+          <a:effectLst>
+            <a:outerShdw blurRad="40000" dist="20000" dir="5400000" rotWithShape="0">
+              <a:srgbClr val="000000">
+                <a:alpha val="38000"/>
+              </a:srgbClr>
+            </a:outerShdw>
+          </a:effectLst>
+        </a:effectStyle>
+        <a:effectStyle>
+          <a:effectLst>
+            <a:outerShdw blurRad="40000" dist="23000" dir="5400000" rotWithShape="0">
+              <a:srgbClr val="000000">
+                <a:alpha val="35000"/>
+              </a:srgbClr>
+            </a:outerShdw>
+          </a:effectLst>
+        </a:effectStyle>
+        <a:effectStyle>
+          <a:effectLst>
+            <a:outerShdw blurRad="40000" dist="23000" dir="5400000" rotWithShape="0">
+              <a:srgbClr val="000000">
+                <a:alpha val="35000"/>
+              </a:srgbClr>
+            </a:outerShdw>
+          </a:effectLst>
+          <a:scene3d>
+            <a:camera prst="orthographicFront">
+              <a:rot lat="0" lon="0" rev="0"/>
+            </a:camera>
+            <a:lightRig rig="threePt" dir="t">
+              <a:rot lat="0" lon="0" rev="1200000"/>
+            </a:lightRig>
+          </a:scene3d>
+          <a:sp3d>
+            <a:bevelT w="63500" h="25400"/>
+          </a:sp3d>
+        </a:effectStyle>
+      </a:effectStyleLst>
+      <a:bgFillStyleLst>
+        <a:solidFill>
+          <a:schemeClr val="phClr"/>
+        </a:solidFill>
+        <a:gradFill rotWithShape="1">
+          <a:gsLst>
+            <a:gs pos="0">
+              <a:schemeClr val="phClr">
+                <a:tint val="40000"/>
+                <a:satMod val="350000"/>
+              </a:schemeClr>
+            </a:gs>
+            <a:gs pos="40000">
+              <a:schemeClr val="phClr">
+                <a:tint val="45000"/>
+                <a:shade val="99000"/>
+                <a:satMod val="350000"/>
+              </a:schemeClr>
+            </a:gs>
+            <a:gs pos="100000">
+              <a:schemeClr val="phClr">
+                <a:shade val="20000"/>
+                <a:satMod val="255000"/>
+              </a:schemeClr>
+            </a:gs>
+          </a:gsLst>
+          <a:path path="circle">
+            <a:fillToRect l="50000" t="-80000" r="50000" b="180000"/>
+          </a:path>
+        </a:gradFill>
+        <a:gradFill rotWithShape="1">
+          <a:gsLst>
+            <a:gs pos="0">
+              <a:schemeClr val="phClr">
+                <a:tint val="80000"/>
+                <a:satMod val="300000"/>
+              </a:schemeClr>
+            </a:gs>
+            <a:gs pos="100000">
+              <a:schemeClr val="phClr">
+                <a:shade val="30000"/>
+                <a:satMod val="200000"/>
+              </a:schemeClr>
+            </a:gs>
+          </a:gsLst>
+          <a:path path="circle">
+            <a:fillToRect l="50000" t="50000" r="50000" b="50000"/>
+          </a:path>
+        </a:gradFill>
+      </a:bgFillStyleLst>
+    </a:fmtScheme>
+  </a:themeElements>
+</a:theme>
+</file>
+
+<file path=ppt/theme/theme2.xml><?xml version="1.0" encoding="utf-8"?>
 <a:theme xmlns:a="http://schemas.openxmlformats.org/drawingml/2006/main" xmlns:r="http://schemas.openxmlformats.org/officeDocument/2006/relationships" name="Simple Light">
   <a:themeElements>
     <a:clrScheme name="Simple Light">
@@ -19674,283 +20265,4 @@
     </a:fmtScheme>
   </a:themeElements>
 </a:theme>
-</file>
-
-<file path=ppt/theme/theme2.xml><?xml version="1.0" encoding="utf-8"?>
-<a:theme xmlns:a="http://schemas.openxmlformats.org/drawingml/2006/main" xmlns:r="http://schemas.openxmlformats.org/officeDocument/2006/relationships">
-  <a:themeElements>
-    <a:clrScheme name="Default">
-      <a:dk1>
-        <a:srgbClr val="000000"/>
-      </a:dk1>
-      <a:lt1>
-        <a:srgbClr val="FFFFFF"/>
-      </a:lt1>
-      <a:dk2>
-        <a:srgbClr val="158158"/>
-      </a:dk2>
-      <a:lt2>
-        <a:srgbClr val="F3F3F3"/>
-      </a:lt2>
-      <a:accent1>
-        <a:srgbClr val="058DC7"/>
-      </a:accent1>
-      <a:accent2>
-        <a:srgbClr val="50B432"/>
-      </a:accent2>
-      <a:accent3>
-        <a:srgbClr val="ED561B"/>
-      </a:accent3>
-      <a:accent4>
-        <a:srgbClr val="EDEF00"/>
-      </a:accent4>
-      <a:accent5>
-        <a:srgbClr val="24CBE5"/>
-      </a:accent5>
-      <a:accent6>
-        <a:srgbClr val="64E572"/>
-      </a:accent6>
-      <a:hlink>
-        <a:srgbClr val="2200CC"/>
-      </a:hlink>
-      <a:folHlink>
-        <a:srgbClr val="551A8B"/>
-      </a:folHlink>
-    </a:clrScheme>
-    <a:fontScheme name="Office">
-      <a:majorFont>
-        <a:latin typeface="Arial"/>
-        <a:ea typeface=""/>
-        <a:cs typeface=""/>
-        <a:font script="Jpan" typeface="ＭＳ Ｐゴシック"/>
-        <a:font script="Hang" typeface="맑은 고딕"/>
-        <a:font script="Hans" typeface="宋体"/>
-        <a:font script="Hant" typeface="新細明體"/>
-        <a:font script="Arab" typeface="Times New Roman"/>
-        <a:font script="Hebr" typeface="Times New Roman"/>
-        <a:font script="Thai" typeface="Angsana New"/>
-        <a:font script="Ethi" typeface="Nyala"/>
-        <a:font script="Beng" typeface="Vrinda"/>
-        <a:font script="Gujr" typeface="Shruti"/>
-        <a:font script="Khmr" typeface="MoolBoran"/>
-        <a:font script="Knda" typeface="Tunga"/>
-        <a:font script="Guru" typeface="Raavi"/>
-        <a:font script="Cans" typeface="Euphemia"/>
-        <a:font script="Cher" typeface="Plantagenet Cherokee"/>
-        <a:font script="Yiii" typeface="Microsoft Yi Baiti"/>
-        <a:font script="Tibt" typeface="Microsoft Himalaya"/>
-        <a:font script="Thaa" typeface="MV Boli"/>
-        <a:font script="Deva" typeface="Mangal"/>
-        <a:font script="Telu" typeface="Gautami"/>
-        <a:font script="Taml" typeface="Latha"/>
-        <a:font script="Syrc" typeface="Estrangelo Edessa"/>
-        <a:font script="Orya" typeface="Kalinga"/>
-        <a:font script="Mlym" typeface="Kartika"/>
-        <a:font script="Laoo" typeface="DokChampa"/>
-        <a:font script="Sinh" typeface="Iskoola Pota"/>
-        <a:font script="Mong" typeface="Mongolian Baiti"/>
-        <a:font script="Viet" typeface="Times New Roman"/>
-        <a:font script="Uigh" typeface="Microsoft Uighur"/>
-        <a:font script="Geor" typeface="Sylfaen"/>
-      </a:majorFont>
-      <a:minorFont>
-        <a:latin typeface="Arial"/>
-        <a:ea typeface=""/>
-        <a:cs typeface=""/>
-        <a:font script="Jpan" typeface="ＭＳ Ｐゴシック"/>
-        <a:font script="Hang" typeface="맑은 고딕"/>
-        <a:font script="Hans" typeface="宋体"/>
-        <a:font script="Hant" typeface="新細明體"/>
-        <a:font script="Arab" typeface="Arial"/>
-        <a:font script="Hebr" typeface="Arial"/>
-        <a:font script="Thai" typeface="Cordia New"/>
-        <a:font script="Ethi" typeface="Nyala"/>
-        <a:font script="Beng" typeface="Vrinda"/>
-        <a:font script="Gujr" typeface="Shruti"/>
-        <a:font script="Khmr" typeface="DaunPenh"/>
-        <a:font script="Knda" typeface="Tunga"/>
-        <a:font script="Guru" typeface="Raavi"/>
-        <a:font script="Cans" typeface="Euphemia"/>
-        <a:font script="Cher" typeface="Plantagenet Cherokee"/>
-        <a:font script="Yiii" typeface="Microsoft Yi Baiti"/>
-        <a:font script="Tibt" typeface="Microsoft Himalaya"/>
-        <a:font script="Thaa" typeface="MV Boli"/>
-        <a:font script="Deva" typeface="Mangal"/>
-        <a:font script="Telu" typeface="Gautami"/>
-        <a:font script="Taml" typeface="Latha"/>
-        <a:font script="Syrc" typeface="Estrangelo Edessa"/>
-        <a:font script="Orya" typeface="Kalinga"/>
-        <a:font script="Mlym" typeface="Kartika"/>
-        <a:font script="Laoo" typeface="DokChampa"/>
-        <a:font script="Sinh" typeface="Iskoola Pota"/>
-        <a:font script="Mong" typeface="Mongolian Baiti"/>
-        <a:font script="Viet" typeface="Arial"/>
-        <a:font script="Uigh" typeface="Microsoft Uighur"/>
-        <a:font script="Geor" typeface="Sylfaen"/>
-      </a:minorFont>
-    </a:fontScheme>
-    <a:fmtScheme name="Office">
-      <a:fillStyleLst>
-        <a:solidFill>
-          <a:schemeClr val="phClr"/>
-        </a:solidFill>
-        <a:gradFill rotWithShape="1">
-          <a:gsLst>
-            <a:gs pos="0">
-              <a:schemeClr val="phClr">
-                <a:tint val="50000"/>
-                <a:satMod val="300000"/>
-              </a:schemeClr>
-            </a:gs>
-            <a:gs pos="35000">
-              <a:schemeClr val="phClr">
-                <a:tint val="37000"/>
-                <a:satMod val="300000"/>
-              </a:schemeClr>
-            </a:gs>
-            <a:gs pos="100000">
-              <a:schemeClr val="phClr">
-                <a:tint val="15000"/>
-                <a:satMod val="350000"/>
-              </a:schemeClr>
-            </a:gs>
-          </a:gsLst>
-          <a:lin ang="16200000" scaled="1"/>
-        </a:gradFill>
-        <a:gradFill rotWithShape="1">
-          <a:gsLst>
-            <a:gs pos="0">
-              <a:schemeClr val="phClr">
-                <a:tint val="100000"/>
-                <a:shade val="100000"/>
-                <a:satMod val="130000"/>
-              </a:schemeClr>
-            </a:gs>
-            <a:gs pos="100000">
-              <a:schemeClr val="phClr">
-                <a:tint val="50000"/>
-                <a:shade val="100000"/>
-                <a:satMod val="350000"/>
-              </a:schemeClr>
-            </a:gs>
-          </a:gsLst>
-          <a:lin ang="16200000" scaled="0"/>
-        </a:gradFill>
-      </a:fillStyleLst>
-      <a:lnStyleLst>
-        <a:ln w="9525" cap="flat" cmpd="sng" algn="ctr">
-          <a:solidFill>
-            <a:schemeClr val="phClr">
-              <a:shade val="95000"/>
-              <a:satMod val="105000"/>
-            </a:schemeClr>
-          </a:solidFill>
-          <a:prstDash val="solid"/>
-        </a:ln>
-        <a:ln w="25400" cap="flat" cmpd="sng" algn="ctr">
-          <a:solidFill>
-            <a:schemeClr val="phClr"/>
-          </a:solidFill>
-          <a:prstDash val="solid"/>
-        </a:ln>
-        <a:ln w="38100" cap="flat" cmpd="sng" algn="ctr">
-          <a:solidFill>
-            <a:schemeClr val="phClr"/>
-          </a:solidFill>
-          <a:prstDash val="solid"/>
-        </a:ln>
-      </a:lnStyleLst>
-      <a:effectStyleLst>
-        <a:effectStyle>
-          <a:effectLst>
-            <a:outerShdw blurRad="40000" dist="20000" dir="5400000" rotWithShape="0">
-              <a:srgbClr val="000000">
-                <a:alpha val="38000"/>
-              </a:srgbClr>
-            </a:outerShdw>
-          </a:effectLst>
-        </a:effectStyle>
-        <a:effectStyle>
-          <a:effectLst>
-            <a:outerShdw blurRad="40000" dist="23000" dir="5400000" rotWithShape="0">
-              <a:srgbClr val="000000">
-                <a:alpha val="35000"/>
-              </a:srgbClr>
-            </a:outerShdw>
-          </a:effectLst>
-        </a:effectStyle>
-        <a:effectStyle>
-          <a:effectLst>
-            <a:outerShdw blurRad="40000" dist="23000" dir="5400000" rotWithShape="0">
-              <a:srgbClr val="000000">
-                <a:alpha val="35000"/>
-              </a:srgbClr>
-            </a:outerShdw>
-          </a:effectLst>
-          <a:scene3d>
-            <a:camera prst="orthographicFront">
-              <a:rot lat="0" lon="0" rev="0"/>
-            </a:camera>
-            <a:lightRig rig="threePt" dir="t">
-              <a:rot lat="0" lon="0" rev="1200000"/>
-            </a:lightRig>
-          </a:scene3d>
-          <a:sp3d>
-            <a:bevelT w="63500" h="25400"/>
-          </a:sp3d>
-        </a:effectStyle>
-      </a:effectStyleLst>
-      <a:bgFillStyleLst>
-        <a:solidFill>
-          <a:schemeClr val="phClr"/>
-        </a:solidFill>
-        <a:gradFill rotWithShape="1">
-          <a:gsLst>
-            <a:gs pos="0">
-              <a:schemeClr val="phClr">
-                <a:tint val="40000"/>
-                <a:satMod val="350000"/>
-              </a:schemeClr>
-            </a:gs>
-            <a:gs pos="40000">
-              <a:schemeClr val="phClr">
-                <a:tint val="45000"/>
-                <a:shade val="99000"/>
-                <a:satMod val="350000"/>
-              </a:schemeClr>
-            </a:gs>
-            <a:gs pos="100000">
-              <a:schemeClr val="phClr">
-                <a:shade val="20000"/>
-                <a:satMod val="255000"/>
-              </a:schemeClr>
-            </a:gs>
-          </a:gsLst>
-          <a:path path="circle">
-            <a:fillToRect l="50000" t="-80000" r="50000" b="180000"/>
-          </a:path>
-        </a:gradFill>
-        <a:gradFill rotWithShape="1">
-          <a:gsLst>
-            <a:gs pos="0">
-              <a:schemeClr val="phClr">
-                <a:tint val="80000"/>
-                <a:satMod val="300000"/>
-              </a:schemeClr>
-            </a:gs>
-            <a:gs pos="100000">
-              <a:schemeClr val="phClr">
-                <a:shade val="30000"/>
-                <a:satMod val="200000"/>
-              </a:schemeClr>
-            </a:gs>
-          </a:gsLst>
-          <a:path path="circle">
-            <a:fillToRect l="50000" t="50000" r="50000" b="50000"/>
-          </a:path>
-        </a:gradFill>
-      </a:bgFillStyleLst>
-    </a:fmtScheme>
-  </a:themeElements>
-</a:theme>
 </file>